--- a/api/lib/presentation_maker/template_dir/Simplistic_Elegance.pptx
+++ b/api/lib/presentation_maker/template_dir/Simplistic_Elegance.pptx
@@ -351,7 +351,7 @@
             <a:pPr indent="0" algn="r">
               <a:buNone/>
             </a:pPr>
-            <a:fld id="{7A41E4E4-AF47-46E0-9170-B8F59450DD80}" type="slidenum">
+            <a:fld id="{D3826FD4-35C1-4C5D-966D-6064D0315C03}" type="slidenum">
               <a:rPr b="0" lang="en-US" sz="1400" spc="-1" strike="noStrike">
                 <a:solidFill>
                   <a:srgbClr val="000000"/>
@@ -405,7 +405,7 @@
         <p:spPr>
           <a:xfrm>
             <a:off x="685800" y="1143000"/>
-            <a:ext cx="5485680" cy="3085560"/>
+            <a:ext cx="5485320" cy="3085200"/>
           </a:xfrm>
           <a:prstGeom prst="rect">
             <a:avLst/>
@@ -428,7 +428,7 @@
         <p:spPr>
           <a:xfrm>
             <a:off x="685800" y="4400640"/>
-            <a:ext cx="5485680" cy="3599640"/>
+            <a:ext cx="5485320" cy="3599280"/>
           </a:xfrm>
           <a:prstGeom prst="rect">
             <a:avLst/>
@@ -468,7 +468,7 @@
         <p:spPr>
           <a:xfrm>
             <a:off x="3884760" y="8685360"/>
-            <a:ext cx="2971080" cy="457920"/>
+            <a:ext cx="2970720" cy="457560"/>
           </a:xfrm>
           <a:prstGeom prst="rect">
             <a:avLst/>
@@ -509,7 +509,7 @@
                 <a:tab algn="l" pos="0"/>
               </a:tabLst>
             </a:pPr>
-            <a:fld id="{34000DD6-F851-4768-83A7-41CC0A4430E9}" type="slidenum">
+            <a:fld id="{F67D1E35-0498-45CA-8155-7F6C575EEA0C}" type="slidenum">
               <a:rPr b="0" lang="en-US" sz="1200" spc="-1" strike="noStrike">
                 <a:solidFill>
                   <a:srgbClr val="000000"/>
@@ -562,7 +562,7 @@
         <p:spPr>
           <a:xfrm>
             <a:off x="685800" y="1143000"/>
-            <a:ext cx="5485680" cy="3085560"/>
+            <a:ext cx="5485320" cy="3085200"/>
           </a:xfrm>
           <a:prstGeom prst="rect">
             <a:avLst/>
@@ -585,7 +585,7 @@
         <p:spPr>
           <a:xfrm>
             <a:off x="685800" y="4400640"/>
-            <a:ext cx="5485680" cy="3599640"/>
+            <a:ext cx="5485320" cy="3599280"/>
           </a:xfrm>
           <a:prstGeom prst="rect">
             <a:avLst/>
@@ -625,7 +625,7 @@
         <p:spPr>
           <a:xfrm>
             <a:off x="3884760" y="8685360"/>
-            <a:ext cx="2971080" cy="457920"/>
+            <a:ext cx="2970720" cy="457560"/>
           </a:xfrm>
           <a:prstGeom prst="rect">
             <a:avLst/>
@@ -666,7 +666,7 @@
                 <a:tab algn="l" pos="0"/>
               </a:tabLst>
             </a:pPr>
-            <a:fld id="{2472748C-1E5C-4D3C-B928-5141E4B02F66}" type="slidenum">
+            <a:fld id="{11EBE1E7-C00A-4B67-8AB2-6368146697B8}" type="slidenum">
               <a:rPr b="0" lang="en-US" sz="1200" spc="-1" strike="noStrike">
                 <a:solidFill>
                   <a:srgbClr val="000000"/>
@@ -719,7 +719,7 @@
         <p:spPr>
           <a:xfrm>
             <a:off x="685800" y="1143000"/>
-            <a:ext cx="5485680" cy="3085560"/>
+            <a:ext cx="5485320" cy="3085200"/>
           </a:xfrm>
           <a:prstGeom prst="rect">
             <a:avLst/>
@@ -742,7 +742,7 @@
         <p:spPr>
           <a:xfrm>
             <a:off x="685800" y="4400640"/>
-            <a:ext cx="5485680" cy="3599640"/>
+            <a:ext cx="5485320" cy="3599280"/>
           </a:xfrm>
           <a:prstGeom prst="rect">
             <a:avLst/>
@@ -782,7 +782,7 @@
         <p:spPr>
           <a:xfrm>
             <a:off x="3884760" y="8685360"/>
-            <a:ext cx="2971080" cy="457920"/>
+            <a:ext cx="2970720" cy="457560"/>
           </a:xfrm>
           <a:prstGeom prst="rect">
             <a:avLst/>
@@ -823,7 +823,7 @@
                 <a:tab algn="l" pos="0"/>
               </a:tabLst>
             </a:pPr>
-            <a:fld id="{B5A91F6F-909F-4A4D-8720-E8B1CBC8C65E}" type="slidenum">
+            <a:fld id="{D6C0A498-E9B6-45F3-A0D2-6E8494DFD487}" type="slidenum">
               <a:rPr b="0" lang="en-US" sz="1200" spc="-1" strike="noStrike">
                 <a:solidFill>
                   <a:srgbClr val="000000"/>
@@ -876,7 +876,7 @@
         <p:spPr>
           <a:xfrm>
             <a:off x="685800" y="1143000"/>
-            <a:ext cx="5485680" cy="3085560"/>
+            <a:ext cx="5485320" cy="3085200"/>
           </a:xfrm>
           <a:prstGeom prst="rect">
             <a:avLst/>
@@ -899,7 +899,7 @@
         <p:spPr>
           <a:xfrm>
             <a:off x="685800" y="4400640"/>
-            <a:ext cx="5485680" cy="3599640"/>
+            <a:ext cx="5485320" cy="3599280"/>
           </a:xfrm>
           <a:prstGeom prst="rect">
             <a:avLst/>
@@ -939,7 +939,7 @@
         <p:spPr>
           <a:xfrm>
             <a:off x="3884760" y="8685360"/>
-            <a:ext cx="2971080" cy="457920"/>
+            <a:ext cx="2970720" cy="457560"/>
           </a:xfrm>
           <a:prstGeom prst="rect">
             <a:avLst/>
@@ -980,7 +980,7 @@
                 <a:tab algn="l" pos="0"/>
               </a:tabLst>
             </a:pPr>
-            <a:fld id="{9F0D7062-6F57-4468-A720-618BCE24B9FA}" type="slidenum">
+            <a:fld id="{47C87808-03DE-40D7-BF5D-BEB31000BD5B}" type="slidenum">
               <a:rPr b="0" lang="en-US" sz="1200" spc="-1" strike="noStrike">
                 <a:solidFill>
                   <a:srgbClr val="000000"/>
@@ -1033,7 +1033,7 @@
         <p:spPr>
           <a:xfrm>
             <a:off x="685800" y="1143000"/>
-            <a:ext cx="5485680" cy="3085560"/>
+            <a:ext cx="5485320" cy="3085200"/>
           </a:xfrm>
           <a:prstGeom prst="rect">
             <a:avLst/>
@@ -1056,7 +1056,7 @@
         <p:spPr>
           <a:xfrm>
             <a:off x="685800" y="4400640"/>
-            <a:ext cx="5485680" cy="3599640"/>
+            <a:ext cx="5485320" cy="3599280"/>
           </a:xfrm>
           <a:prstGeom prst="rect">
             <a:avLst/>
@@ -1096,7 +1096,7 @@
         <p:spPr>
           <a:xfrm>
             <a:off x="3884760" y="8685360"/>
-            <a:ext cx="2971080" cy="457920"/>
+            <a:ext cx="2970720" cy="457560"/>
           </a:xfrm>
           <a:prstGeom prst="rect">
             <a:avLst/>
@@ -1137,7 +1137,7 @@
                 <a:tab algn="l" pos="0"/>
               </a:tabLst>
             </a:pPr>
-            <a:fld id="{6C73C0FA-333D-41B1-919E-B8598A991B44}" type="slidenum">
+            <a:fld id="{3053D6A2-545C-4483-AA99-8617E43672F4}" type="slidenum">
               <a:rPr b="0" lang="en-US" sz="1200" spc="-1" strike="noStrike">
                 <a:solidFill>
                   <a:srgbClr val="000000"/>
@@ -1190,7 +1190,7 @@
         <p:spPr>
           <a:xfrm>
             <a:off x="685800" y="1143000"/>
-            <a:ext cx="5485680" cy="3085560"/>
+            <a:ext cx="5485320" cy="3085200"/>
           </a:xfrm>
           <a:prstGeom prst="rect">
             <a:avLst/>
@@ -1213,7 +1213,7 @@
         <p:spPr>
           <a:xfrm>
             <a:off x="685800" y="4400640"/>
-            <a:ext cx="5485680" cy="3599640"/>
+            <a:ext cx="5485320" cy="3599280"/>
           </a:xfrm>
           <a:prstGeom prst="rect">
             <a:avLst/>
@@ -1253,7 +1253,7 @@
         <p:spPr>
           <a:xfrm>
             <a:off x="3884760" y="8685360"/>
-            <a:ext cx="2971080" cy="457920"/>
+            <a:ext cx="2970720" cy="457560"/>
           </a:xfrm>
           <a:prstGeom prst="rect">
             <a:avLst/>
@@ -1294,7 +1294,7 @@
                 <a:tab algn="l" pos="0"/>
               </a:tabLst>
             </a:pPr>
-            <a:fld id="{1090DC37-55AF-4CB1-8D69-864089910E2B}" type="slidenum">
+            <a:fld id="{ACA89BFB-F4D0-4D6B-B308-6FF04E276CFF}" type="slidenum">
               <a:rPr b="0" lang="en-US" sz="1200" spc="-1" strike="noStrike">
                 <a:solidFill>
                   <a:srgbClr val="000000"/>
@@ -1347,7 +1347,7 @@
         <p:spPr>
           <a:xfrm>
             <a:off x="685800" y="1143000"/>
-            <a:ext cx="5485680" cy="3085560"/>
+            <a:ext cx="5485320" cy="3085200"/>
           </a:xfrm>
           <a:prstGeom prst="rect">
             <a:avLst/>
@@ -1370,7 +1370,7 @@
         <p:spPr>
           <a:xfrm>
             <a:off x="685800" y="4400640"/>
-            <a:ext cx="5485680" cy="3599640"/>
+            <a:ext cx="5485320" cy="3599280"/>
           </a:xfrm>
           <a:prstGeom prst="rect">
             <a:avLst/>
@@ -1410,7 +1410,7 @@
         <p:spPr>
           <a:xfrm>
             <a:off x="3884760" y="8685360"/>
-            <a:ext cx="2971080" cy="457920"/>
+            <a:ext cx="2970720" cy="457560"/>
           </a:xfrm>
           <a:prstGeom prst="rect">
             <a:avLst/>
@@ -1451,7 +1451,7 @@
                 <a:tab algn="l" pos="0"/>
               </a:tabLst>
             </a:pPr>
-            <a:fld id="{BFA17A9A-FAD8-48F7-8AEC-8C645ABE5843}" type="slidenum">
+            <a:fld id="{B108F7AA-D8E5-40C6-92A8-A6F77E5B57FA}" type="slidenum">
               <a:rPr b="0" lang="en-US" sz="1200" spc="-1" strike="noStrike">
                 <a:solidFill>
                   <a:srgbClr val="000000"/>
@@ -2249,7 +2249,7 @@
         <p:txBody>
           <a:bodyPr/>
           <a:p>
-            <a:fld id="{B612D62E-7127-444C-8837-180E04F9551D}" type="slidenum">
+            <a:fld id="{07E96219-9B56-4D94-A436-32BEF9E177DD}" type="slidenum">
               <a:t>&lt;#&gt;</a:t>
             </a:fld>
           </a:p>
@@ -2391,7 +2391,7 @@
         <p:txBody>
           <a:bodyPr/>
           <a:p>
-            <a:fld id="{666C6326-A8EA-4292-AAE3-7F5F86EF70E3}" type="slidenum">
+            <a:fld id="{6D240594-EACE-4ABD-830F-44C25FA009A5}" type="slidenum">
               <a:t>&lt;#&gt;</a:t>
             </a:fld>
           </a:p>
@@ -2536,7 +2536,7 @@
         <p:txBody>
           <a:bodyPr/>
           <a:p>
-            <a:fld id="{8C9215BA-D721-431C-BB2D-88D918F82DB0}" type="slidenum">
+            <a:fld id="{82F214DC-60C8-4574-A2AA-4FB4C07AE7B5}" type="slidenum">
               <a:t>&lt;#&gt;</a:t>
             </a:fld>
           </a:p>
@@ -2724,7 +2724,7 @@
         <p:txBody>
           <a:bodyPr/>
           <a:p>
-            <a:fld id="{2F003699-B47C-49E3-AB33-597C9685A992}" type="slidenum">
+            <a:fld id="{A88DB26F-B41C-4EB1-B429-67BC2176D3C9}" type="slidenum">
               <a:t>&lt;#&gt;</a:t>
             </a:fld>
           </a:p>
@@ -2826,7 +2826,7 @@
         <p:txBody>
           <a:bodyPr/>
           <a:p>
-            <a:fld id="{38C25C82-BA46-4E36-A2E1-038379BF22D0}" type="slidenum">
+            <a:fld id="{9AB30CA6-1547-4AA2-BDA6-3AC6068EB4B3}" type="slidenum">
               <a:t>&lt;#&gt;</a:t>
             </a:fld>
           </a:p>
@@ -2926,7 +2926,7 @@
         <p:txBody>
           <a:bodyPr/>
           <a:p>
-            <a:fld id="{E8ADBD7B-55C5-4714-8C33-BF64633681A6}" type="slidenum">
+            <a:fld id="{26853CEC-11DD-4C2B-B254-033059715EEA}" type="slidenum">
               <a:t>&lt;#&gt;</a:t>
             </a:fld>
           </a:p>
@@ -3157,7 +3157,7 @@
         <p:txBody>
           <a:bodyPr/>
           <a:p>
-            <a:fld id="{30DF3668-4324-4584-A3CC-5476721647CB}" type="slidenum">
+            <a:fld id="{6FB79337-BDE9-4D94-8798-D3772EBD6283}" type="slidenum">
               <a:t>&lt;#&gt;</a:t>
             </a:fld>
           </a:p>
@@ -3490,7 +3490,7 @@
         <p:txBody>
           <a:bodyPr/>
           <a:p>
-            <a:fld id="{32758AAE-305C-4C31-8573-CFCEC0724527}" type="slidenum">
+            <a:fld id="{9EE0810A-0EE5-493B-B362-0F51DB00552F}" type="slidenum">
               <a:t>&lt;#&gt;</a:t>
             </a:fld>
           </a:p>
@@ -3721,7 +3721,7 @@
         <p:txBody>
           <a:bodyPr/>
           <a:p>
-            <a:fld id="{F93F929F-C417-48AE-85E4-3BD2DDDCA028}" type="slidenum">
+            <a:fld id="{67628A6F-DC6E-4B75-9522-910B329041AA}" type="slidenum">
               <a:t>&lt;#&gt;</a:t>
             </a:fld>
           </a:p>
@@ -3909,7 +3909,7 @@
         <p:txBody>
           <a:bodyPr/>
           <a:p>
-            <a:fld id="{AB51CAB1-F5E8-435C-A19A-CD7FBC226895}" type="slidenum">
+            <a:fld id="{63F5E905-AECC-435C-B5EE-701299C8A90C}" type="slidenum">
               <a:t>&lt;#&gt;</a:t>
             </a:fld>
           </a:p>
@@ -4183,7 +4183,7 @@
         <p:txBody>
           <a:bodyPr/>
           <a:p>
-            <a:fld id="{42D72D32-5CD4-42E5-9FB7-351C870C0C23}" type="slidenum">
+            <a:fld id="{69B0A8CB-1FDE-45D5-81FB-20ECB0A82F7D}" type="slidenum">
               <a:t>&lt;#&gt;</a:t>
             </a:fld>
           </a:p>
@@ -4543,7 +4543,7 @@
         <p:txBody>
           <a:bodyPr/>
           <a:p>
-            <a:fld id="{D71CBF0F-DD76-4720-B6C5-F404EF2C080B}" type="slidenum">
+            <a:fld id="{CB53CD0D-B835-49BA-907C-9D49F3ED0A29}" type="slidenum">
               <a:t>&lt;#&gt;</a:t>
             </a:fld>
           </a:p>
@@ -4605,7 +4605,7 @@
         <p:txBody>
           <a:bodyPr/>
           <a:p>
-            <a:fld id="{9266D244-43E9-44C9-95A2-7043710EFE26}" type="slidenum">
+            <a:fld id="{DE54028C-CAE2-4FFC-968F-EC483B00E279}" type="slidenum">
               <a:t>&lt;#&gt;</a:t>
             </a:fld>
           </a:p>
@@ -4747,7 +4747,7 @@
         <p:txBody>
           <a:bodyPr/>
           <a:p>
-            <a:fld id="{A634CF3C-7ECB-42F5-B389-C3ABFB0EB845}" type="slidenum">
+            <a:fld id="{F82615E0-954A-4966-81B9-1F63871AA159}" type="slidenum">
               <a:t>&lt;#&gt;</a:t>
             </a:fld>
           </a:p>
@@ -4892,7 +4892,7 @@
         <p:txBody>
           <a:bodyPr/>
           <a:p>
-            <a:fld id="{02EBB008-CE5F-498A-BB8F-DD01548A63FC}" type="slidenum">
+            <a:fld id="{B87BBDED-3AE9-43C0-AB82-7553FC56E461}" type="slidenum">
               <a:t>&lt;#&gt;</a:t>
             </a:fld>
           </a:p>
@@ -5080,7 +5080,7 @@
         <p:txBody>
           <a:bodyPr/>
           <a:p>
-            <a:fld id="{6F9FE46C-B350-4DB3-88B7-65BCA58DAB02}" type="slidenum">
+            <a:fld id="{582054E7-04E9-4577-B527-E2864AAAA94D}" type="slidenum">
               <a:t>&lt;#&gt;</a:t>
             </a:fld>
           </a:p>
@@ -5182,7 +5182,7 @@
         <p:txBody>
           <a:bodyPr/>
           <a:p>
-            <a:fld id="{AEDCC319-9B2D-44B9-8AE6-6AED5A6F8AF1}" type="slidenum">
+            <a:fld id="{5FE467AE-D866-4FE3-84E9-D8FB83F49F27}" type="slidenum">
               <a:t>&lt;#&gt;</a:t>
             </a:fld>
           </a:p>
@@ -5387,7 +5387,7 @@
         <p:txBody>
           <a:bodyPr/>
           <a:p>
-            <a:fld id="{AFCD1752-CCCB-4BF5-9294-E367E6C4D1B8}" type="slidenum">
+            <a:fld id="{1D2DEFEC-F803-4A57-A057-A9687089727B}" type="slidenum">
               <a:t>&lt;#&gt;</a:t>
             </a:fld>
           </a:p>
@@ -5618,7 +5618,7 @@
         <p:txBody>
           <a:bodyPr/>
           <a:p>
-            <a:fld id="{15F183DA-0645-4D04-BDD9-649EB4556718}" type="slidenum">
+            <a:fld id="{0645DD5E-11CA-46F9-B9D2-DE26D4600FD3}" type="slidenum">
               <a:t>&lt;#&gt;</a:t>
             </a:fld>
           </a:p>
@@ -5849,7 +5849,7 @@
         <p:txBody>
           <a:bodyPr/>
           <a:p>
-            <a:fld id="{BB263E6A-D0E1-4454-BA89-DB32C6B9A495}" type="slidenum">
+            <a:fld id="{23A258E9-581F-4AAC-9258-0060EF475B48}" type="slidenum">
               <a:t>&lt;#&gt;</a:t>
             </a:fld>
           </a:p>
@@ -6080,7 +6080,7 @@
         <p:txBody>
           <a:bodyPr/>
           <a:p>
-            <a:fld id="{E71DDEA5-5166-4639-8D6D-2CDC108FD455}" type="slidenum">
+            <a:fld id="{74A53F2A-A524-461D-B647-D9A24B7F93F9}" type="slidenum">
               <a:t>&lt;#&gt;</a:t>
             </a:fld>
           </a:p>
@@ -6268,7 +6268,7 @@
         <p:txBody>
           <a:bodyPr/>
           <a:p>
-            <a:fld id="{2C0B31FA-4DD4-446D-98FD-8D7CA46D952F}" type="slidenum">
+            <a:fld id="{79621B32-FE53-485A-BCAA-4896173422B5}" type="slidenum">
               <a:t>&lt;#&gt;</a:t>
             </a:fld>
           </a:p>
@@ -6542,7 +6542,7 @@
         <p:txBody>
           <a:bodyPr/>
           <a:p>
-            <a:fld id="{76601223-57C7-483B-B20F-50F4C134A99B}" type="slidenum">
+            <a:fld id="{48193B35-86DB-4623-BD10-A1F996B8F292}" type="slidenum">
               <a:t>&lt;#&gt;</a:t>
             </a:fld>
           </a:p>
@@ -6902,7 +6902,7 @@
         <p:txBody>
           <a:bodyPr/>
           <a:p>
-            <a:fld id="{143FCA53-4DC4-4253-B53E-C00899F3C73C}" type="slidenum">
+            <a:fld id="{80736A24-5AC1-45BA-B89E-9B5EE1BAF161}" type="slidenum">
               <a:t>&lt;#&gt;</a:t>
             </a:fld>
           </a:p>
@@ -6964,7 +6964,7 @@
         <p:txBody>
           <a:bodyPr/>
           <a:p>
-            <a:fld id="{9627CE73-44FC-4598-9F12-B1162E1DDF72}" type="slidenum">
+            <a:fld id="{5F781395-33F3-4500-8CC2-6A1407F71A48}" type="slidenum">
               <a:t>&lt;#&gt;</a:t>
             </a:fld>
           </a:p>
@@ -7106,7 +7106,7 @@
         <p:txBody>
           <a:bodyPr/>
           <a:p>
-            <a:fld id="{A27DAB6C-1217-42CA-8F98-B59614DA6510}" type="slidenum">
+            <a:fld id="{1C630164-0FEA-470D-9ECF-599116FF90CF}" type="slidenum">
               <a:t>&lt;#&gt;</a:t>
             </a:fld>
           </a:p>
@@ -7251,7 +7251,7 @@
         <p:txBody>
           <a:bodyPr/>
           <a:p>
-            <a:fld id="{524D7324-9C65-480E-9712-A9F58CBCD31F}" type="slidenum">
+            <a:fld id="{39769A92-FCEE-401F-8DBE-55F0A503C41E}" type="slidenum">
               <a:t>&lt;#&gt;</a:t>
             </a:fld>
           </a:p>
@@ -7587,7 +7587,7 @@
         <p:txBody>
           <a:bodyPr/>
           <a:p>
-            <a:fld id="{3C703938-DD33-43B2-9CEF-006934269F95}" type="slidenum">
+            <a:fld id="{AEB25D57-BAC2-4018-835D-2D996040DE82}" type="slidenum">
               <a:t>&lt;#&gt;</a:t>
             </a:fld>
           </a:p>
@@ -7689,7 +7689,7 @@
         <p:txBody>
           <a:bodyPr/>
           <a:p>
-            <a:fld id="{0D51467C-63E1-4E43-AFE5-CE2A55C705EB}" type="slidenum">
+            <a:fld id="{3DD39CD8-5725-4124-880C-3F2D6B2B3BAC}" type="slidenum">
               <a:t>&lt;#&gt;</a:t>
             </a:fld>
           </a:p>
@@ -7789,7 +7789,7 @@
         <p:txBody>
           <a:bodyPr/>
           <a:p>
-            <a:fld id="{90AB0F20-5CAE-434C-B393-A4F7DE511199}" type="slidenum">
+            <a:fld id="{9500771B-28BF-4834-A964-0DE4353C438F}" type="slidenum">
               <a:t>&lt;#&gt;</a:t>
             </a:fld>
           </a:p>
@@ -8020,7 +8020,7 @@
         <p:txBody>
           <a:bodyPr/>
           <a:p>
-            <a:fld id="{D9FE17C5-DCF8-4AAB-A127-96FFC6D0FDA4}" type="slidenum">
+            <a:fld id="{59679F36-894F-448E-AB04-FE886817ACCD}" type="slidenum">
               <a:t>&lt;#&gt;</a:t>
             </a:fld>
           </a:p>
@@ -8251,7 +8251,7 @@
         <p:txBody>
           <a:bodyPr/>
           <a:p>
-            <a:fld id="{532A3FB4-C21A-4581-8305-02762580D464}" type="slidenum">
+            <a:fld id="{DFD7B14F-DC34-4B22-85BF-5C53C7961A8F}" type="slidenum">
               <a:t>&lt;#&gt;</a:t>
             </a:fld>
           </a:p>
@@ -8482,7 +8482,7 @@
         <p:txBody>
           <a:bodyPr/>
           <a:p>
-            <a:fld id="{EDDBED6D-5038-4EA8-A689-609A0C67BDF0}" type="slidenum">
+            <a:fld id="{D9DF1834-A508-4490-BF80-A8305A2A2160}" type="slidenum">
               <a:t>&lt;#&gt;</a:t>
             </a:fld>
           </a:p>
@@ -8670,7 +8670,7 @@
         <p:txBody>
           <a:bodyPr/>
           <a:p>
-            <a:fld id="{0A76BB32-19EB-4CA4-BE39-9E80FB06C5F1}" type="slidenum">
+            <a:fld id="{049CA1F0-E912-4224-8AD6-4E7A142201C0}" type="slidenum">
               <a:t>&lt;#&gt;</a:t>
             </a:fld>
           </a:p>
@@ -8944,7 +8944,7 @@
         <p:txBody>
           <a:bodyPr/>
           <a:p>
-            <a:fld id="{FB6669A0-6999-4BFD-B724-58AF7F06AFB8}" type="slidenum">
+            <a:fld id="{4EFEBA87-C0FF-41C3-8916-E78EF9A3B235}" type="slidenum">
               <a:t>&lt;#&gt;</a:t>
             </a:fld>
           </a:p>
@@ -9304,7 +9304,7 @@
         <p:txBody>
           <a:bodyPr/>
           <a:p>
-            <a:fld id="{3A95EF4C-CF9E-4903-9714-39FB655186C7}" type="slidenum">
+            <a:fld id="{6DEC0DB8-A594-409C-8D2F-2F6F4AD079E6}" type="slidenum">
               <a:t>&lt;#&gt;</a:t>
             </a:fld>
           </a:p>
@@ -9366,7 +9366,7 @@
         <p:txBody>
           <a:bodyPr/>
           <a:p>
-            <a:fld id="{492855DE-5B10-4BBB-A6F4-449E49DD5ED9}" type="slidenum">
+            <a:fld id="{9431E480-88BE-4F0A-A99B-06C7B51DC917}" type="slidenum">
               <a:t>&lt;#&gt;</a:t>
             </a:fld>
           </a:p>
@@ -9570,7 +9570,7 @@
         <p:txBody>
           <a:bodyPr/>
           <a:p>
-            <a:fld id="{F569E87F-F968-4971-AFF5-17419F746DC7}" type="slidenum">
+            <a:fld id="{43582035-519E-437A-9D40-BBEC438B5CE3}" type="slidenum">
               <a:t>&lt;#&gt;</a:t>
             </a:fld>
           </a:p>
@@ -9715,7 +9715,7 @@
         <p:txBody>
           <a:bodyPr/>
           <a:p>
-            <a:fld id="{5EE412A0-F176-4C88-AC54-6F778E360275}" type="slidenum">
+            <a:fld id="{6D5BCA7E-E26F-4C73-9138-525A16E9E2B0}" type="slidenum">
               <a:t>&lt;#&gt;</a:t>
             </a:fld>
           </a:p>
@@ -9903,7 +9903,7 @@
         <p:txBody>
           <a:bodyPr/>
           <a:p>
-            <a:fld id="{B4E48ED9-729D-49A9-B7EC-B3135FA4E5E3}" type="slidenum">
+            <a:fld id="{A163E333-0CA3-40AF-9894-FBC9BD461960}" type="slidenum">
               <a:t>&lt;#&gt;</a:t>
             </a:fld>
           </a:p>
@@ -10005,7 +10005,7 @@
         <p:txBody>
           <a:bodyPr/>
           <a:p>
-            <a:fld id="{9CFB3A78-A969-437F-A4A1-78F38C075434}" type="slidenum">
+            <a:fld id="{9A056564-0A34-42E8-81FE-29B73CAA423C}" type="slidenum">
               <a:t>&lt;#&gt;</a:t>
             </a:fld>
           </a:p>
@@ -10105,7 +10105,7 @@
         <p:txBody>
           <a:bodyPr/>
           <a:p>
-            <a:fld id="{AF77169B-E734-4746-A9FB-C67F359F4299}" type="slidenum">
+            <a:fld id="{DBC944F2-58D4-4918-8675-CA69830B7FA2}" type="slidenum">
               <a:t>&lt;#&gt;</a:t>
             </a:fld>
           </a:p>
@@ -10336,7 +10336,7 @@
         <p:txBody>
           <a:bodyPr/>
           <a:p>
-            <a:fld id="{EEC4197E-108E-43F4-8D56-B4A350619572}" type="slidenum">
+            <a:fld id="{DD4782E6-DE1A-4C9E-8EAC-D80A220E4AE4}" type="slidenum">
               <a:t>&lt;#&gt;</a:t>
             </a:fld>
           </a:p>
@@ -10567,7 +10567,7 @@
         <p:txBody>
           <a:bodyPr/>
           <a:p>
-            <a:fld id="{32655148-07FD-48AA-A29B-90C3862C555F}" type="slidenum">
+            <a:fld id="{81D38484-58E9-4C19-9DC1-377747B53FCD}" type="slidenum">
               <a:t>&lt;#&gt;</a:t>
             </a:fld>
           </a:p>
@@ -10798,7 +10798,7 @@
         <p:txBody>
           <a:bodyPr/>
           <a:p>
-            <a:fld id="{78490EA5-208E-47D9-BB60-D020F8107135}" type="slidenum">
+            <a:fld id="{947211AE-54A7-4F36-B5CE-7B25D1B38C0D}" type="slidenum">
               <a:t>&lt;#&gt;</a:t>
             </a:fld>
           </a:p>
@@ -10986,7 +10986,7 @@
         <p:txBody>
           <a:bodyPr/>
           <a:p>
-            <a:fld id="{CFD708A3-11A0-4D97-BA9E-3B144CEB3466}" type="slidenum">
+            <a:fld id="{10275550-5282-4405-8DAB-D227F00C86AB}" type="slidenum">
               <a:t>&lt;#&gt;</a:t>
             </a:fld>
           </a:p>
@@ -11260,7 +11260,7 @@
         <p:txBody>
           <a:bodyPr/>
           <a:p>
-            <a:fld id="{BC3500E3-C6B4-4D34-B0A8-50A87BF88214}" type="slidenum">
+            <a:fld id="{9F3C3B3D-92C3-4856-B2EC-11BCBE2D9D3E}" type="slidenum">
               <a:t>&lt;#&gt;</a:t>
             </a:fld>
           </a:p>
@@ -11680,7 +11680,7 @@
         <p:txBody>
           <a:bodyPr/>
           <a:p>
-            <a:fld id="{792F515E-7FD6-4550-A62B-81B371FF9944}" type="slidenum">
+            <a:fld id="{13B6BE50-1CB0-413D-8A48-670B00CDDEC0}" type="slidenum">
               <a:t>&lt;#&gt;</a:t>
             </a:fld>
           </a:p>
@@ -11742,7 +11742,7 @@
         <p:txBody>
           <a:bodyPr/>
           <a:p>
-            <a:fld id="{A935AA2A-7013-49A1-985C-3469BC4F40E1}" type="slidenum">
+            <a:fld id="{3EFE7952-F3C8-4F0C-9D43-C675D24207B3}" type="slidenum">
               <a:t>&lt;#&gt;</a:t>
             </a:fld>
           </a:p>
@@ -11884,7 +11884,7 @@
         <p:txBody>
           <a:bodyPr/>
           <a:p>
-            <a:fld id="{3EC52871-F14C-422E-AB14-6A2809510AF0}" type="slidenum">
+            <a:fld id="{5788A8D3-AFE4-4581-8D63-EFCD606A0EAE}" type="slidenum">
               <a:t>&lt;#&gt;</a:t>
             </a:fld>
           </a:p>
@@ -12029,7 +12029,7 @@
         <p:txBody>
           <a:bodyPr/>
           <a:p>
-            <a:fld id="{C6688ABA-6E15-44A3-B3EC-53FFB95A296F}" type="slidenum">
+            <a:fld id="{A45C343F-1EE2-4F34-A172-D4C65D9B019E}" type="slidenum">
               <a:t>&lt;#&gt;</a:t>
             </a:fld>
           </a:p>
@@ -12217,7 +12217,7 @@
         <p:txBody>
           <a:bodyPr/>
           <a:p>
-            <a:fld id="{875FC49A-8D8B-444E-9061-4DB6AAE0DAC8}" type="slidenum">
+            <a:fld id="{58EEC83B-C4BC-4708-A2BD-B93A070E4572}" type="slidenum">
               <a:t>&lt;#&gt;</a:t>
             </a:fld>
           </a:p>
@@ -12319,7 +12319,7 @@
         <p:txBody>
           <a:bodyPr/>
           <a:p>
-            <a:fld id="{A41300B0-E3C6-4C13-AD23-E8A8612550A6}" type="slidenum">
+            <a:fld id="{FF8CD037-F475-4C28-AC98-E79F117B9B1B}" type="slidenum">
               <a:t>&lt;#&gt;</a:t>
             </a:fld>
           </a:p>
@@ -12419,7 +12419,7 @@
         <p:txBody>
           <a:bodyPr/>
           <a:p>
-            <a:fld id="{6103B630-B180-49BB-8A0A-4EC7C1AB00CC}" type="slidenum">
+            <a:fld id="{8A58D749-0413-48C0-A3EC-22D14FFD1CC0}" type="slidenum">
               <a:t>&lt;#&gt;</a:t>
             </a:fld>
           </a:p>
@@ -12650,7 +12650,7 @@
         <p:txBody>
           <a:bodyPr/>
           <a:p>
-            <a:fld id="{7FD21F0B-44D8-420B-A3F8-B370F2AFFFCF}" type="slidenum">
+            <a:fld id="{15C47913-BC8B-44F5-844A-725FE2B0D09B}" type="slidenum">
               <a:t>&lt;#&gt;</a:t>
             </a:fld>
           </a:p>
@@ -12881,7 +12881,7 @@
         <p:txBody>
           <a:bodyPr/>
           <a:p>
-            <a:fld id="{0149B716-F717-433D-B4CE-6DF2A86463FF}" type="slidenum">
+            <a:fld id="{2A31BC87-B4BA-4555-A25B-D815AA76956D}" type="slidenum">
               <a:t>&lt;#&gt;</a:t>
             </a:fld>
           </a:p>
@@ -13112,7 +13112,7 @@
         <p:txBody>
           <a:bodyPr/>
           <a:p>
-            <a:fld id="{EBF4277D-62D9-482F-8CD7-EE4A0E3D82B7}" type="slidenum">
+            <a:fld id="{3FBFC278-8231-4FFA-93CE-05A5516DD9A9}" type="slidenum">
               <a:t>&lt;#&gt;</a:t>
             </a:fld>
           </a:p>
@@ -13491,7 +13491,7 @@
         <p:txBody>
           <a:bodyPr/>
           <a:p>
-            <a:fld id="{14C777C0-D127-46D1-8673-4371898783D7}" type="slidenum">
+            <a:fld id="{9812EE62-8BCB-4D99-B933-60FD7DE7C063}" type="slidenum">
               <a:t>&lt;#&gt;</a:t>
             </a:fld>
           </a:p>
@@ -13765,7 +13765,7 @@
         <p:txBody>
           <a:bodyPr/>
           <a:p>
-            <a:fld id="{44A48DDB-DF20-4804-BBFF-7FE02D7874A5}" type="slidenum">
+            <a:fld id="{A2120203-AC12-490F-B625-B8A5E05ED009}" type="slidenum">
               <a:t>&lt;#&gt;</a:t>
             </a:fld>
           </a:p>
@@ -14125,7 +14125,7 @@
         <p:txBody>
           <a:bodyPr/>
           <a:p>
-            <a:fld id="{958CC053-8996-4D02-9556-EF9DFF0E4056}" type="slidenum">
+            <a:fld id="{E38C4110-1F35-4240-AC82-192508D71074}" type="slidenum">
               <a:t>&lt;#&gt;</a:t>
             </a:fld>
           </a:p>
@@ -16325,15 +16325,15 @@
         <p:spPr>
           <a:xfrm>
             <a:off x="9729360" y="5801760"/>
-            <a:ext cx="2114640" cy="1055520"/>
+            <a:ext cx="2114280" cy="1055160"/>
           </a:xfrm>
           <a:custGeom>
             <a:avLst/>
             <a:gdLst>
-              <a:gd name="textAreaLeft" fmla="*/ 0 w 2114640"/>
-              <a:gd name="textAreaRight" fmla="*/ 2115360 w 2114640"/>
-              <a:gd name="textAreaTop" fmla="*/ 0 h 1055520"/>
-              <a:gd name="textAreaBottom" fmla="*/ 1056240 h 1055520"/>
+              <a:gd name="textAreaLeft" fmla="*/ 0 w 2114280"/>
+              <a:gd name="textAreaRight" fmla="*/ 2115360 w 2114280"/>
+              <a:gd name="textAreaTop" fmla="*/ 0 h 1055160"/>
+              <a:gd name="textAreaBottom" fmla="*/ 1056240 h 1055160"/>
             </a:gdLst>
             <a:ahLst/>
             <a:rect l="textAreaLeft" t="textAreaTop" r="textAreaRight" b="textAreaBottom"/>
@@ -16419,7 +16419,7 @@
         <p:spPr>
           <a:xfrm>
             <a:off x="9999720" y="0"/>
-            <a:ext cx="1573920" cy="3953880"/>
+            <a:ext cx="1573560" cy="3953520"/>
           </a:xfrm>
           <a:prstGeom prst="rect">
             <a:avLst/>
@@ -16756,15 +16756,15 @@
         <p:spPr>
           <a:xfrm>
             <a:off x="8077320" y="0"/>
-            <a:ext cx="4114080" cy="5712120"/>
+            <a:ext cx="4113720" cy="5711760"/>
           </a:xfrm>
           <a:custGeom>
             <a:avLst/>
             <a:gdLst>
-              <a:gd name="textAreaLeft" fmla="*/ 0 w 4114080"/>
-              <a:gd name="textAreaRight" fmla="*/ 4114800 w 4114080"/>
-              <a:gd name="textAreaTop" fmla="*/ 0 h 5712120"/>
-              <a:gd name="textAreaBottom" fmla="*/ 5712840 h 5712120"/>
+              <a:gd name="textAreaLeft" fmla="*/ 0 w 4113720"/>
+              <a:gd name="textAreaRight" fmla="*/ 4114800 w 4113720"/>
+              <a:gd name="textAreaTop" fmla="*/ 0 h 5711760"/>
+              <a:gd name="textAreaBottom" fmla="*/ 5712840 h 5711760"/>
             </a:gdLst>
             <a:ahLst/>
             <a:rect l="textAreaLeft" t="textAreaTop" r="textAreaRight" b="textAreaBottom"/>
@@ -16830,7 +16830,7 @@
         <p:spPr>
           <a:xfrm>
             <a:off x="7445520" y="944280"/>
-            <a:ext cx="1290240" cy="1290240"/>
+            <a:ext cx="1289880" cy="1289880"/>
           </a:xfrm>
           <a:prstGeom prst="ellipse">
             <a:avLst/>
@@ -16891,7 +16891,7 @@
         <p:spPr>
           <a:xfrm>
             <a:off x="811080" y="6356520"/>
-            <a:ext cx="4410720" cy="364320"/>
+            <a:ext cx="4410360" cy="363960"/>
           </a:xfrm>
           <a:prstGeom prst="rect">
             <a:avLst/>
@@ -16914,7 +16914,7 @@
               <a:tabLst>
                 <a:tab algn="l" pos="0"/>
               </a:tabLst>
-              <a:defRPr b="0" lang="en-US" sz="1200" spc="46" strike="noStrike">
+              <a:defRPr b="0" lang="en-US" sz="1200" spc="43" strike="noStrike">
                 <a:solidFill>
                   <a:srgbClr val="ffffff"/>
                 </a:solidFill>
@@ -16933,7 +16933,7 @@
               </a:tabLst>
             </a:pPr>
             <a:r>
-              <a:rPr b="0" lang="en-US" sz="1200" spc="46" strike="noStrike">
+              <a:rPr b="0" lang="en-US" sz="1200" spc="43" strike="noStrike">
                 <a:solidFill>
                   <a:srgbClr val="ffffff"/>
                 </a:solidFill>
@@ -16963,7 +16963,7 @@
         <p:spPr>
           <a:xfrm>
             <a:off x="8637480" y="6356520"/>
-            <a:ext cx="2742480" cy="364320"/>
+            <a:ext cx="2742120" cy="363960"/>
           </a:xfrm>
           <a:prstGeom prst="rect">
             <a:avLst/>
@@ -16986,7 +16986,7 @@
               <a:tabLst>
                 <a:tab algn="l" pos="0"/>
               </a:tabLst>
-              <a:defRPr b="1" lang="en-US" sz="1200" spc="46" strike="noStrike">
+              <a:defRPr b="1" lang="en-US" sz="1200" spc="43" strike="noStrike">
                 <a:solidFill>
                   <a:srgbClr val="ffffff"/>
                 </a:solidFill>
@@ -17004,8 +17004,8 @@
                 <a:tab algn="l" pos="0"/>
               </a:tabLst>
             </a:pPr>
-            <a:fld id="{B441F75F-F620-49AB-8DB8-9925A6CA743B}" type="slidenum">
-              <a:rPr b="1" lang="en-US" sz="1200" spc="46" strike="noStrike">
+            <a:fld id="{F76D9C7A-9F5C-432F-9D6B-D2356124DEFD}" type="slidenum">
+              <a:rPr b="1" lang="en-US" sz="1200" spc="43" strike="noStrike">
                 <a:solidFill>
                   <a:srgbClr val="ffffff"/>
                 </a:solidFill>
@@ -17349,15 +17349,15 @@
         <p:spPr>
           <a:xfrm>
             <a:off x="0" y="4775040"/>
-            <a:ext cx="6607440" cy="2082240"/>
+            <a:ext cx="6607080" cy="2081880"/>
           </a:xfrm>
           <a:custGeom>
             <a:avLst/>
             <a:gdLst>
-              <a:gd name="textAreaLeft" fmla="*/ 0 w 6607440"/>
-              <a:gd name="textAreaRight" fmla="*/ 6608160 w 6607440"/>
-              <a:gd name="textAreaTop" fmla="*/ 0 h 2082240"/>
-              <a:gd name="textAreaBottom" fmla="*/ 2082960 h 2082240"/>
+              <a:gd name="textAreaLeft" fmla="*/ 0 w 6607080"/>
+              <a:gd name="textAreaRight" fmla="*/ 6608160 w 6607080"/>
+              <a:gd name="textAreaTop" fmla="*/ 0 h 2081880"/>
+              <a:gd name="textAreaBottom" fmla="*/ 2082960 h 2081880"/>
             </a:gdLst>
             <a:ahLst/>
             <a:rect l="textAreaLeft" t="textAreaTop" r="textAreaRight" b="textAreaBottom"/>
@@ -17423,15 +17423,15 @@
         <p:spPr>
           <a:xfrm>
             <a:off x="9249480" y="1747800"/>
-            <a:ext cx="2691720" cy="2691720"/>
+            <a:ext cx="2691360" cy="2691360"/>
           </a:xfrm>
           <a:custGeom>
             <a:avLst/>
             <a:gdLst>
-              <a:gd name="textAreaLeft" fmla="*/ 0 w 2691720"/>
-              <a:gd name="textAreaRight" fmla="*/ 2692440 w 2691720"/>
-              <a:gd name="textAreaTop" fmla="*/ 0 h 2691720"/>
-              <a:gd name="textAreaBottom" fmla="*/ 2692440 h 2691720"/>
+              <a:gd name="textAreaLeft" fmla="*/ 0 w 2691360"/>
+              <a:gd name="textAreaRight" fmla="*/ 2692440 w 2691360"/>
+              <a:gd name="textAreaTop" fmla="*/ 0 h 2691360"/>
+              <a:gd name="textAreaBottom" fmla="*/ 2692440 h 2691360"/>
             </a:gdLst>
             <a:ahLst/>
             <a:rect l="textAreaLeft" t="textAreaTop" r="textAreaRight" b="textAreaBottom"/>
@@ -17538,7 +17538,7 @@
         <p:spPr>
           <a:xfrm>
             <a:off x="8793000" y="361080"/>
-            <a:ext cx="2114640" cy="2114640"/>
+            <a:ext cx="2114280" cy="2114280"/>
           </a:xfrm>
           <a:prstGeom prst="ellipse">
             <a:avLst/>
@@ -17597,7 +17597,7 @@
         <p:spPr>
           <a:xfrm>
             <a:off x="811080" y="6356520"/>
-            <a:ext cx="4410720" cy="364320"/>
+            <a:ext cx="4410360" cy="363960"/>
           </a:xfrm>
           <a:prstGeom prst="rect">
             <a:avLst/>
@@ -17620,7 +17620,7 @@
               <a:tabLst>
                 <a:tab algn="l" pos="0"/>
               </a:tabLst>
-              <a:defRPr b="0" lang="en-US" sz="1200" spc="46" strike="noStrike">
+              <a:defRPr b="0" lang="en-US" sz="1200" spc="43" strike="noStrike">
                 <a:solidFill>
                   <a:srgbClr val="ffffff"/>
                 </a:solidFill>
@@ -17639,7 +17639,7 @@
               </a:tabLst>
             </a:pPr>
             <a:r>
-              <a:rPr b="0" lang="en-US" sz="1200" spc="46" strike="noStrike">
+              <a:rPr b="0" lang="en-US" sz="1200" spc="43" strike="noStrike">
                 <a:solidFill>
                   <a:srgbClr val="ffffff"/>
                 </a:solidFill>
@@ -17669,7 +17669,7 @@
         <p:spPr>
           <a:xfrm>
             <a:off x="8637480" y="6356520"/>
-            <a:ext cx="2742480" cy="364320"/>
+            <a:ext cx="2742120" cy="363960"/>
           </a:xfrm>
           <a:prstGeom prst="rect">
             <a:avLst/>
@@ -17692,7 +17692,7 @@
               <a:tabLst>
                 <a:tab algn="l" pos="0"/>
               </a:tabLst>
-              <a:defRPr b="1" lang="en-US" sz="1200" spc="46" strike="noStrike">
+              <a:defRPr b="1" lang="en-US" sz="1200" spc="43" strike="noStrike">
                 <a:solidFill>
                   <a:srgbClr val="ffffff"/>
                 </a:solidFill>
@@ -17710,8 +17710,8 @@
                 <a:tab algn="l" pos="0"/>
               </a:tabLst>
             </a:pPr>
-            <a:fld id="{C13B238B-10F2-4536-A74A-9D1D81CB8730}" type="slidenum">
-              <a:rPr b="1" lang="en-US" sz="1200" spc="46" strike="noStrike">
+            <a:fld id="{D4EA8A49-73EE-4698-A4CD-E065F5DD598B}" type="slidenum">
+              <a:rPr b="1" lang="en-US" sz="1200" spc="43" strike="noStrike">
                 <a:solidFill>
                   <a:srgbClr val="ffffff"/>
                 </a:solidFill>
@@ -18059,7 +18059,7 @@
         <p:spPr>
           <a:xfrm>
             <a:off x="9385920" y="0"/>
-            <a:ext cx="1573920" cy="3953880"/>
+            <a:ext cx="1573560" cy="3953520"/>
           </a:xfrm>
           <a:prstGeom prst="rect">
             <a:avLst/>
@@ -18078,7 +18078,7 @@
         <p:spPr>
           <a:xfrm>
             <a:off x="9115560" y="4241160"/>
-            <a:ext cx="2114640" cy="2114640"/>
+            <a:ext cx="2114280" cy="2114280"/>
           </a:xfrm>
           <a:prstGeom prst="ellipse">
             <a:avLst/>
@@ -18137,7 +18137,7 @@
         <p:spPr>
           <a:xfrm>
             <a:off x="811080" y="6356520"/>
-            <a:ext cx="4410720" cy="364320"/>
+            <a:ext cx="4410360" cy="363960"/>
           </a:xfrm>
           <a:prstGeom prst="rect">
             <a:avLst/>
@@ -18160,7 +18160,7 @@
               <a:tabLst>
                 <a:tab algn="l" pos="0"/>
               </a:tabLst>
-              <a:defRPr b="0" lang="en-US" sz="1200" spc="46" strike="noStrike">
+              <a:defRPr b="0" lang="en-US" sz="1200" spc="43" strike="noStrike">
                 <a:solidFill>
                   <a:srgbClr val="ffffff"/>
                 </a:solidFill>
@@ -18179,7 +18179,7 @@
               </a:tabLst>
             </a:pPr>
             <a:r>
-              <a:rPr b="0" lang="en-US" sz="1200" spc="46" strike="noStrike">
+              <a:rPr b="0" lang="en-US" sz="1200" spc="43" strike="noStrike">
                 <a:solidFill>
                   <a:srgbClr val="ffffff"/>
                 </a:solidFill>
@@ -18209,7 +18209,7 @@
         <p:spPr>
           <a:xfrm>
             <a:off x="8637480" y="6356520"/>
-            <a:ext cx="2742480" cy="364320"/>
+            <a:ext cx="2742120" cy="363960"/>
           </a:xfrm>
           <a:prstGeom prst="rect">
             <a:avLst/>
@@ -18232,7 +18232,7 @@
               <a:tabLst>
                 <a:tab algn="l" pos="0"/>
               </a:tabLst>
-              <a:defRPr b="1" lang="en-US" sz="1200" spc="46" strike="noStrike">
+              <a:defRPr b="1" lang="en-US" sz="1200" spc="43" strike="noStrike">
                 <a:solidFill>
                   <a:srgbClr val="ffffff"/>
                 </a:solidFill>
@@ -18250,8 +18250,8 @@
                 <a:tab algn="l" pos="0"/>
               </a:tabLst>
             </a:pPr>
-            <a:fld id="{1B28B747-7E2F-4367-BC53-2E96691BCAA8}" type="slidenum">
-              <a:rPr b="1" lang="en-US" sz="1200" spc="46" strike="noStrike">
+            <a:fld id="{5E463BD3-6135-4DCD-B250-044D15FA50CF}" type="slidenum">
+              <a:rPr b="1" lang="en-US" sz="1200" spc="43" strike="noStrike">
                 <a:solidFill>
                   <a:srgbClr val="ffffff"/>
                 </a:solidFill>
@@ -18594,10 +18594,10 @@
         </p:nvGrpSpPr>
         <p:grpSpPr>
           <a:xfrm>
-            <a:off x="742320" y="360"/>
-            <a:ext cx="2133360" cy="2133360"/>
-            <a:chOff x="742320" y="360"/>
-            <a:chExt cx="2133360" cy="2133360"/>
+            <a:off x="742680" y="360"/>
+            <a:ext cx="2133000" cy="2133000"/>
+            <a:chOff x="742680" y="360"/>
+            <a:chExt cx="2133000" cy="2133000"/>
           </a:xfrm>
         </p:grpSpPr>
         <p:sp>
@@ -18608,16 +18608,16 @@
           </p:nvSpPr>
           <p:spPr>
             <a:xfrm rot="10800000">
-              <a:off x="743040" y="0"/>
-              <a:ext cx="2131920" cy="1053360"/>
+              <a:off x="743400" y="0"/>
+              <a:ext cx="2131560" cy="1053000"/>
             </a:xfrm>
             <a:custGeom>
               <a:avLst/>
               <a:gdLst>
-                <a:gd name="textAreaLeft" fmla="*/ 0 w 2131920"/>
-                <a:gd name="textAreaRight" fmla="*/ 2132640 w 2131920"/>
-                <a:gd name="textAreaTop" fmla="*/ 0 h 1053360"/>
-                <a:gd name="textAreaBottom" fmla="*/ 1054080 h 1053360"/>
+                <a:gd name="textAreaLeft" fmla="*/ 0 w 2131560"/>
+                <a:gd name="textAreaRight" fmla="*/ 2132640 w 2131560"/>
+                <a:gd name="textAreaTop" fmla="*/ 0 h 1053000"/>
+                <a:gd name="textAreaBottom" fmla="*/ 1054080 h 1053000"/>
               </a:gdLst>
               <a:ahLst/>
               <a:rect l="textAreaLeft" t="textAreaTop" r="textAreaRight" b="textAreaBottom"/>
@@ -18698,16 +18698,16 @@
           </p:nvSpPr>
           <p:spPr>
             <a:xfrm rot="10800000">
-              <a:off x="742320" y="1054440"/>
-              <a:ext cx="2133360" cy="1078920"/>
+              <a:off x="742680" y="1054440"/>
+              <a:ext cx="2133000" cy="1078560"/>
             </a:xfrm>
             <a:custGeom>
               <a:avLst/>
               <a:gdLst>
-                <a:gd name="textAreaLeft" fmla="*/ 0 w 2133360"/>
-                <a:gd name="textAreaRight" fmla="*/ 2134080 w 2133360"/>
-                <a:gd name="textAreaTop" fmla="*/ 0 h 1078920"/>
-                <a:gd name="textAreaBottom" fmla="*/ 1079640 h 1078920"/>
+                <a:gd name="textAreaLeft" fmla="*/ 0 w 2133000"/>
+                <a:gd name="textAreaRight" fmla="*/ 2134080 w 2133000"/>
+                <a:gd name="textAreaTop" fmla="*/ 0 h 1078560"/>
+                <a:gd name="textAreaBottom" fmla="*/ 1079640 h 1078560"/>
               </a:gdLst>
               <a:ahLst/>
               <a:rect l="textAreaLeft" t="textAreaTop" r="textAreaRight" b="textAreaBottom"/>
@@ -18789,16 +18789,16 @@
         </p:nvSpPr>
         <p:spPr>
           <a:xfrm flipH="1" flipV="1">
-            <a:off x="-720" y="3625920"/>
-            <a:ext cx="4473720" cy="3230640"/>
+            <a:off x="-720" y="3625200"/>
+            <a:ext cx="4473360" cy="3230280"/>
           </a:xfrm>
           <a:custGeom>
             <a:avLst/>
             <a:gdLst>
-              <a:gd name="textAreaLeft" fmla="*/ 360 w 4473720"/>
-              <a:gd name="textAreaRight" fmla="*/ 4474800 w 4473720"/>
-              <a:gd name="textAreaTop" fmla="*/ -360 h 3230640"/>
-              <a:gd name="textAreaBottom" fmla="*/ 3231000 h 3230640"/>
+              <a:gd name="textAreaLeft" fmla="*/ 720 w 4473360"/>
+              <a:gd name="textAreaRight" fmla="*/ 4475160 w 4473360"/>
+              <a:gd name="textAreaTop" fmla="*/ -720 h 3230280"/>
+              <a:gd name="textAreaBottom" fmla="*/ 3230640 h 3230280"/>
             </a:gdLst>
             <a:ahLst/>
             <a:rect l="textAreaLeft" t="textAreaTop" r="textAreaRight" b="textAreaBottom"/>
@@ -18868,7 +18868,7 @@
         <p:spPr>
           <a:xfrm>
             <a:off x="811080" y="6356520"/>
-            <a:ext cx="4410720" cy="364320"/>
+            <a:ext cx="4410360" cy="363960"/>
           </a:xfrm>
           <a:prstGeom prst="rect">
             <a:avLst/>
@@ -18891,7 +18891,7 @@
               <a:tabLst>
                 <a:tab algn="l" pos="0"/>
               </a:tabLst>
-              <a:defRPr b="0" lang="en-US" sz="1200" spc="46" strike="noStrike">
+              <a:defRPr b="0" lang="en-US" sz="1200" spc="43" strike="noStrike">
                 <a:solidFill>
                   <a:srgbClr val="ffffff"/>
                 </a:solidFill>
@@ -18910,7 +18910,7 @@
               </a:tabLst>
             </a:pPr>
             <a:r>
-              <a:rPr b="0" lang="en-US" sz="1200" spc="46" strike="noStrike">
+              <a:rPr b="0" lang="en-US" sz="1200" spc="43" strike="noStrike">
                 <a:solidFill>
                   <a:srgbClr val="ffffff"/>
                 </a:solidFill>
@@ -18940,7 +18940,7 @@
         <p:spPr>
           <a:xfrm>
             <a:off x="8637480" y="6356520"/>
-            <a:ext cx="2742480" cy="364320"/>
+            <a:ext cx="2742120" cy="363960"/>
           </a:xfrm>
           <a:prstGeom prst="rect">
             <a:avLst/>
@@ -18963,7 +18963,7 @@
               <a:tabLst>
                 <a:tab algn="l" pos="0"/>
               </a:tabLst>
-              <a:defRPr b="1" lang="en-US" sz="1200" spc="46" strike="noStrike">
+              <a:defRPr b="1" lang="en-US" sz="1200" spc="43" strike="noStrike">
                 <a:solidFill>
                   <a:srgbClr val="ffffff"/>
                 </a:solidFill>
@@ -18981,8 +18981,8 @@
                 <a:tab algn="l" pos="0"/>
               </a:tabLst>
             </a:pPr>
-            <a:fld id="{DCA3AF08-5E83-4C94-B77A-5FADA94428B9}" type="slidenum">
-              <a:rPr b="1" lang="en-US" sz="1200" spc="46" strike="noStrike">
+            <a:fld id="{C0E58ED9-4254-4CEF-A3F3-6CA322F89618}" type="slidenum">
+              <a:rPr b="1" lang="en-US" sz="1200" spc="43" strike="noStrike">
                 <a:solidFill>
                   <a:srgbClr val="ffffff"/>
                 </a:solidFill>
@@ -19325,10 +19325,10 @@
         </p:nvGrpSpPr>
         <p:grpSpPr>
           <a:xfrm>
-            <a:off x="742320" y="360"/>
-            <a:ext cx="2133360" cy="2133360"/>
-            <a:chOff x="742320" y="360"/>
-            <a:chExt cx="2133360" cy="2133360"/>
+            <a:off x="742680" y="360"/>
+            <a:ext cx="2133000" cy="2133000"/>
+            <a:chOff x="742680" y="360"/>
+            <a:chExt cx="2133000" cy="2133000"/>
           </a:xfrm>
         </p:grpSpPr>
         <p:sp>
@@ -19339,16 +19339,16 @@
           </p:nvSpPr>
           <p:spPr>
             <a:xfrm rot="10800000">
-              <a:off x="743040" y="0"/>
-              <a:ext cx="2131920" cy="1053360"/>
+              <a:off x="743400" y="0"/>
+              <a:ext cx="2131560" cy="1053000"/>
             </a:xfrm>
             <a:custGeom>
               <a:avLst/>
               <a:gdLst>
-                <a:gd name="textAreaLeft" fmla="*/ 0 w 2131920"/>
-                <a:gd name="textAreaRight" fmla="*/ 2132640 w 2131920"/>
-                <a:gd name="textAreaTop" fmla="*/ 0 h 1053360"/>
-                <a:gd name="textAreaBottom" fmla="*/ 1054080 h 1053360"/>
+                <a:gd name="textAreaLeft" fmla="*/ 0 w 2131560"/>
+                <a:gd name="textAreaRight" fmla="*/ 2132640 w 2131560"/>
+                <a:gd name="textAreaTop" fmla="*/ 0 h 1053000"/>
+                <a:gd name="textAreaBottom" fmla="*/ 1054080 h 1053000"/>
               </a:gdLst>
               <a:ahLst/>
               <a:rect l="textAreaLeft" t="textAreaTop" r="textAreaRight" b="textAreaBottom"/>
@@ -19429,16 +19429,16 @@
           </p:nvSpPr>
           <p:spPr>
             <a:xfrm rot="10800000">
-              <a:off x="742320" y="1054440"/>
-              <a:ext cx="2133360" cy="1078920"/>
+              <a:off x="742680" y="1054440"/>
+              <a:ext cx="2133000" cy="1078560"/>
             </a:xfrm>
             <a:custGeom>
               <a:avLst/>
               <a:gdLst>
-                <a:gd name="textAreaLeft" fmla="*/ 0 w 2133360"/>
-                <a:gd name="textAreaRight" fmla="*/ 2134080 w 2133360"/>
-                <a:gd name="textAreaTop" fmla="*/ 0 h 1078920"/>
-                <a:gd name="textAreaBottom" fmla="*/ 1079640 h 1078920"/>
+                <a:gd name="textAreaLeft" fmla="*/ 0 w 2133000"/>
+                <a:gd name="textAreaRight" fmla="*/ 2134080 w 2133000"/>
+                <a:gd name="textAreaTop" fmla="*/ 0 h 1078560"/>
+                <a:gd name="textAreaBottom" fmla="*/ 1079640 h 1078560"/>
               </a:gdLst>
               <a:ahLst/>
               <a:rect l="textAreaLeft" t="textAreaTop" r="textAreaRight" b="textAreaBottom"/>
@@ -19520,16 +19520,16 @@
         </p:nvSpPr>
         <p:spPr>
           <a:xfrm flipH="1" flipV="1">
-            <a:off x="-720" y="3625920"/>
-            <a:ext cx="4473720" cy="3230640"/>
+            <a:off x="-720" y="3625200"/>
+            <a:ext cx="4473360" cy="3230280"/>
           </a:xfrm>
           <a:custGeom>
             <a:avLst/>
             <a:gdLst>
-              <a:gd name="textAreaLeft" fmla="*/ 360 w 4473720"/>
-              <a:gd name="textAreaRight" fmla="*/ 4474800 w 4473720"/>
-              <a:gd name="textAreaTop" fmla="*/ -360 h 3230640"/>
-              <a:gd name="textAreaBottom" fmla="*/ 3231000 h 3230640"/>
+              <a:gd name="textAreaLeft" fmla="*/ 720 w 4473360"/>
+              <a:gd name="textAreaRight" fmla="*/ 4475160 w 4473360"/>
+              <a:gd name="textAreaTop" fmla="*/ -720 h 3230280"/>
+              <a:gd name="textAreaBottom" fmla="*/ 3230640 h 3230280"/>
             </a:gdLst>
             <a:ahLst/>
             <a:rect l="textAreaLeft" t="textAreaTop" r="textAreaRight" b="textAreaBottom"/>
@@ -19599,7 +19599,7 @@
         <p:spPr>
           <a:xfrm>
             <a:off x="811080" y="6356520"/>
-            <a:ext cx="4410720" cy="364320"/>
+            <a:ext cx="4410360" cy="363960"/>
           </a:xfrm>
           <a:prstGeom prst="rect">
             <a:avLst/>
@@ -19622,7 +19622,7 @@
               <a:tabLst>
                 <a:tab algn="l" pos="0"/>
               </a:tabLst>
-              <a:defRPr b="0" lang="en-US" sz="1200" spc="46" strike="noStrike">
+              <a:defRPr b="0" lang="en-US" sz="1200" spc="43" strike="noStrike">
                 <a:solidFill>
                   <a:srgbClr val="ffffff"/>
                 </a:solidFill>
@@ -19641,7 +19641,7 @@
               </a:tabLst>
             </a:pPr>
             <a:r>
-              <a:rPr b="0" lang="en-US" sz="1200" spc="46" strike="noStrike">
+              <a:rPr b="0" lang="en-US" sz="1200" spc="43" strike="noStrike">
                 <a:solidFill>
                   <a:srgbClr val="ffffff"/>
                 </a:solidFill>
@@ -19671,7 +19671,7 @@
         <p:spPr>
           <a:xfrm>
             <a:off x="8637480" y="6356520"/>
-            <a:ext cx="2742480" cy="364320"/>
+            <a:ext cx="2742120" cy="363960"/>
           </a:xfrm>
           <a:prstGeom prst="rect">
             <a:avLst/>
@@ -19694,7 +19694,7 @@
               <a:tabLst>
                 <a:tab algn="l" pos="0"/>
               </a:tabLst>
-              <a:defRPr b="1" lang="en-US" sz="1200" spc="46" strike="noStrike">
+              <a:defRPr b="1" lang="en-US" sz="1200" spc="43" strike="noStrike">
                 <a:solidFill>
                   <a:srgbClr val="ffffff"/>
                 </a:solidFill>
@@ -19712,8 +19712,8 @@
                 <a:tab algn="l" pos="0"/>
               </a:tabLst>
             </a:pPr>
-            <a:fld id="{F6E1F4B1-00D0-4092-918A-4090A454B395}" type="slidenum">
-              <a:rPr b="1" lang="en-US" sz="1200" spc="46" strike="noStrike">
+            <a:fld id="{E86BFCC2-7594-41D3-8946-57E7F4B2DC60}" type="slidenum">
+              <a:rPr b="1" lang="en-US" sz="1200" spc="43" strike="noStrike">
                 <a:solidFill>
                   <a:srgbClr val="ffffff"/>
                 </a:solidFill>
@@ -20056,10 +20056,10 @@
         </p:nvGrpSpPr>
         <p:grpSpPr>
           <a:xfrm>
-            <a:off x="9830160" y="4725000"/>
-            <a:ext cx="2133360" cy="2133000"/>
-            <a:chOff x="9830160" y="4725000"/>
-            <a:chExt cx="2133360" cy="2133000"/>
+            <a:off x="9830520" y="4725360"/>
+            <a:ext cx="2133000" cy="2132640"/>
+            <a:chOff x="9830520" y="4725360"/>
+            <a:chExt cx="2133000" cy="2132640"/>
           </a:xfrm>
         </p:grpSpPr>
         <p:sp>
@@ -20070,16 +20070,16 @@
           </p:nvSpPr>
           <p:spPr>
             <a:xfrm rot="10800000">
-              <a:off x="9830880" y="4725000"/>
-              <a:ext cx="2131920" cy="1053360"/>
+              <a:off x="9831240" y="4725360"/>
+              <a:ext cx="2131560" cy="1053000"/>
             </a:xfrm>
             <a:custGeom>
               <a:avLst/>
               <a:gdLst>
-                <a:gd name="textAreaLeft" fmla="*/ 0 w 2131920"/>
-                <a:gd name="textAreaRight" fmla="*/ 2132640 w 2131920"/>
-                <a:gd name="textAreaTop" fmla="*/ 0 h 1053360"/>
-                <a:gd name="textAreaBottom" fmla="*/ 1054080 h 1053360"/>
+                <a:gd name="textAreaLeft" fmla="*/ 0 w 2131560"/>
+                <a:gd name="textAreaRight" fmla="*/ 2132640 w 2131560"/>
+                <a:gd name="textAreaTop" fmla="*/ 0 h 1053000"/>
+                <a:gd name="textAreaBottom" fmla="*/ 1054080 h 1053000"/>
               </a:gdLst>
               <a:ahLst/>
               <a:rect l="textAreaLeft" t="textAreaTop" r="textAreaRight" b="textAreaBottom"/>
@@ -20160,16 +20160,16 @@
           </p:nvSpPr>
           <p:spPr>
             <a:xfrm rot="10800000">
-              <a:off x="9830160" y="5779080"/>
-              <a:ext cx="2133360" cy="1078920"/>
+              <a:off x="9830520" y="5779440"/>
+              <a:ext cx="2133000" cy="1078560"/>
             </a:xfrm>
             <a:custGeom>
               <a:avLst/>
               <a:gdLst>
-                <a:gd name="textAreaLeft" fmla="*/ 0 w 2133360"/>
-                <a:gd name="textAreaRight" fmla="*/ 2134080 w 2133360"/>
-                <a:gd name="textAreaTop" fmla="*/ 0 h 1078920"/>
-                <a:gd name="textAreaBottom" fmla="*/ 1079640 h 1078920"/>
+                <a:gd name="textAreaLeft" fmla="*/ 0 w 2133000"/>
+                <a:gd name="textAreaRight" fmla="*/ 2134080 w 2133000"/>
+                <a:gd name="textAreaTop" fmla="*/ 0 h 1078560"/>
+                <a:gd name="textAreaBottom" fmla="*/ 1079640 h 1078560"/>
               </a:gdLst>
               <a:ahLst/>
               <a:rect l="textAreaLeft" t="textAreaTop" r="textAreaRight" b="textAreaBottom"/>
@@ -20252,15 +20252,15 @@
         <p:spPr>
           <a:xfrm>
             <a:off x="7717680" y="0"/>
-            <a:ext cx="4473720" cy="3230640"/>
+            <a:ext cx="4473360" cy="3230280"/>
           </a:xfrm>
           <a:custGeom>
             <a:avLst/>
             <a:gdLst>
-              <a:gd name="textAreaLeft" fmla="*/ 0 w 4473720"/>
-              <a:gd name="textAreaRight" fmla="*/ 4474440 w 4473720"/>
-              <a:gd name="textAreaTop" fmla="*/ 0 h 3230640"/>
-              <a:gd name="textAreaBottom" fmla="*/ 3231360 h 3230640"/>
+              <a:gd name="textAreaLeft" fmla="*/ 0 w 4473360"/>
+              <a:gd name="textAreaRight" fmla="*/ 4474440 w 4473360"/>
+              <a:gd name="textAreaTop" fmla="*/ 0 h 3230280"/>
+              <a:gd name="textAreaBottom" fmla="*/ 3231360 h 3230280"/>
             </a:gdLst>
             <a:ahLst/>
             <a:rect l="textAreaLeft" t="textAreaTop" r="textAreaRight" b="textAreaBottom"/>
@@ -20641,7 +20641,7 @@
         <p:spPr>
           <a:xfrm>
             <a:off x="811080" y="629640"/>
-            <a:ext cx="8960400" cy="5598360"/>
+            <a:ext cx="8960040" cy="5598000"/>
           </a:xfrm>
           <a:prstGeom prst="rect">
             <a:avLst/>
@@ -20666,7 +20666,7 @@
               </a:tabLst>
             </a:pPr>
             <a:r>
-              <a:rPr b="1" lang="en-US" sz="7000" spc="94" strike="noStrike">
+              <a:rPr b="1" lang="en-US" sz="7000" spc="92" strike="noStrike">
                 <a:solidFill>
                   <a:srgbClr val="ffffff"/>
                 </a:solidFill>
@@ -20726,7 +20726,7 @@
         <p:spPr>
           <a:xfrm>
             <a:off x="811080" y="622080"/>
-            <a:ext cx="6400080" cy="1828080"/>
+            <a:ext cx="6399720" cy="1827720"/>
           </a:xfrm>
           <a:prstGeom prst="rect">
             <a:avLst/>
@@ -20751,7 +20751,7 @@
               </a:tabLst>
             </a:pPr>
             <a:r>
-              <a:rPr b="1" lang="en-US" sz="4000" spc="94" strike="noStrike">
+              <a:rPr b="1" lang="en-US" sz="4000" spc="92" strike="noStrike">
                 <a:solidFill>
                   <a:srgbClr val="ffffff"/>
                 </a:solidFill>
@@ -20781,7 +20781,7 @@
         <p:spPr>
           <a:xfrm>
             <a:off x="811080" y="2774880"/>
-            <a:ext cx="6400080" cy="3256920"/>
+            <a:ext cx="6399720" cy="3256560"/>
           </a:xfrm>
           <a:prstGeom prst="rect">
             <a:avLst/>
@@ -20889,7 +20889,7 @@
         <p:spPr>
           <a:xfrm>
             <a:off x="811080" y="827280"/>
-            <a:ext cx="6400080" cy="5202720"/>
+            <a:ext cx="6399720" cy="5202360"/>
           </a:xfrm>
           <a:prstGeom prst="rect">
             <a:avLst/>
@@ -20914,7 +20914,7 @@
               </a:tabLst>
             </a:pPr>
             <a:r>
-              <a:rPr b="1" lang="en-US" sz="5400" spc="94" strike="noStrike">
+              <a:rPr b="1" lang="en-US" sz="5400" spc="92" strike="noStrike">
                 <a:solidFill>
                   <a:srgbClr val="ffffff"/>
                 </a:solidFill>
@@ -20974,7 +20974,7 @@
         <p:spPr>
           <a:xfrm>
             <a:off x="811080" y="622080"/>
-            <a:ext cx="7598880" cy="3050640"/>
+            <a:ext cx="7598520" cy="3050280"/>
           </a:xfrm>
           <a:prstGeom prst="rect">
             <a:avLst/>
@@ -20999,7 +20999,7 @@
               </a:tabLst>
             </a:pPr>
             <a:r>
-              <a:rPr b="1" lang="en-US" sz="5400" spc="94" strike="noStrike">
+              <a:rPr b="1" lang="en-US" sz="5400" spc="92" strike="noStrike">
                 <a:solidFill>
                   <a:srgbClr val="ffffff"/>
                 </a:solidFill>
@@ -21029,7 +21029,7 @@
         <p:spPr>
           <a:xfrm>
             <a:off x="811080" y="3965040"/>
-            <a:ext cx="7598880" cy="1492920"/>
+            <a:ext cx="7598520" cy="1492560"/>
           </a:xfrm>
           <a:prstGeom prst="rect">
             <a:avLst/>
@@ -21137,7 +21137,7 @@
         <p:spPr>
           <a:xfrm>
             <a:off x="4114800" y="622080"/>
-            <a:ext cx="7238160" cy="520920"/>
+            <a:ext cx="7237800" cy="520560"/>
           </a:xfrm>
           <a:prstGeom prst="rect">
             <a:avLst/>
@@ -21162,7 +21162,7 @@
               </a:tabLst>
             </a:pPr>
             <a:r>
-              <a:rPr b="1" lang="en-US" sz="4000" spc="94" strike="noStrike">
+              <a:rPr b="1" lang="en-US" sz="4000" spc="92" strike="noStrike">
                 <a:solidFill>
                   <a:srgbClr val="ffffff"/>
                 </a:solidFill>
@@ -21191,19 +21191,19 @@
         </p:nvSpPr>
         <p:spPr>
           <a:xfrm>
-            <a:off x="4952880" y="2768040"/>
-            <a:ext cx="6400080" cy="3230640"/>
-          </a:xfrm>
-          <a:prstGeom prst="rect">
-            <a:avLst/>
-          </a:prstGeom>
-          <a:noFill/>
-          <a:ln w="0">
-            <a:noFill/>
-          </a:ln>
-        </p:spPr>
-        <p:txBody>
-          <a:bodyPr lIns="0" rIns="0" tIns="0" bIns="0" anchor="b">
+            <a:off x="4800600" y="2286000"/>
+            <a:ext cx="6552000" cy="3712320"/>
+          </a:xfrm>
+          <a:prstGeom prst="rect">
+            <a:avLst/>
+          </a:prstGeom>
+          <a:noFill/>
+          <a:ln w="0">
+            <a:noFill/>
+          </a:ln>
+        </p:spPr>
+        <p:txBody>
+          <a:bodyPr lIns="0" rIns="0" tIns="0" bIns="0" anchor="t">
             <a:noAutofit/>
           </a:bodyPr>
           <a:p>
@@ -21280,7 +21280,7 @@
         <p:spPr>
           <a:xfrm>
             <a:off x="3429000" y="457200"/>
-            <a:ext cx="7923960" cy="520920"/>
+            <a:ext cx="7923600" cy="520560"/>
           </a:xfrm>
           <a:prstGeom prst="rect">
             <a:avLst/>
@@ -21305,7 +21305,7 @@
               </a:tabLst>
             </a:pPr>
             <a:r>
-              <a:rPr b="1" lang="en-US" sz="4000" spc="94" strike="noStrike">
+              <a:rPr b="1" lang="en-US" sz="4000" spc="92" strike="noStrike">
                 <a:solidFill>
                   <a:srgbClr val="ffffff"/>
                 </a:solidFill>
@@ -21335,7 +21335,7 @@
         <p:spPr>
           <a:xfrm>
             <a:off x="3471480" y="1600200"/>
-            <a:ext cx="8186760" cy="4800240"/>
+            <a:ext cx="8186400" cy="4799880"/>
           </a:xfrm>
           <a:prstGeom prst="rect">
             <a:avLst/>
@@ -21388,7 +21388,7 @@
         <p:spPr>
           <a:xfrm>
             <a:off x="811080" y="612720"/>
-            <a:ext cx="10001880" cy="3656880"/>
+            <a:ext cx="10001520" cy="3656520"/>
           </a:xfrm>
           <a:prstGeom prst="rect">
             <a:avLst/>
@@ -21413,7 +21413,7 @@
               </a:tabLst>
             </a:pPr>
             <a:r>
-              <a:rPr b="1" lang="en-US" sz="7000" spc="94" strike="noStrike">
+              <a:rPr b="1" lang="en-US" sz="7000" spc="92" strike="noStrike">
                 <a:solidFill>
                   <a:srgbClr val="ffffff"/>
                 </a:solidFill>
@@ -21443,7 +21443,7 @@
         <p:spPr>
           <a:xfrm>
             <a:off x="811080" y="4723920"/>
-            <a:ext cx="7000200" cy="1708560"/>
+            <a:ext cx="6999840" cy="1708200"/>
           </a:xfrm>
           <a:prstGeom prst="rect">
             <a:avLst/>

--- a/api/lib/presentation_maker/template_dir/Simplistic_Elegance.pptx
+++ b/api/lib/presentation_maker/template_dir/Simplistic_Elegance.pptx
@@ -351,7 +351,7 @@
             <a:pPr indent="0" algn="r">
               <a:buNone/>
             </a:pPr>
-            <a:fld id="{D3826FD4-35C1-4C5D-966D-6064D0315C03}" type="slidenum">
+            <a:fld id="{10E73147-DC81-49AA-8846-32CCEA5F78B6}" type="slidenum">
               <a:rPr b="0" lang="en-US" sz="1400" spc="-1" strike="noStrike">
                 <a:solidFill>
                   <a:srgbClr val="000000"/>
@@ -405,7 +405,7 @@
         <p:spPr>
           <a:xfrm>
             <a:off x="685800" y="1143000"/>
-            <a:ext cx="5485320" cy="3085200"/>
+            <a:ext cx="5484960" cy="3084840"/>
           </a:xfrm>
           <a:prstGeom prst="rect">
             <a:avLst/>
@@ -428,7 +428,7 @@
         <p:spPr>
           <a:xfrm>
             <a:off x="685800" y="4400640"/>
-            <a:ext cx="5485320" cy="3599280"/>
+            <a:ext cx="5484960" cy="3598920"/>
           </a:xfrm>
           <a:prstGeom prst="rect">
             <a:avLst/>
@@ -468,7 +468,7 @@
         <p:spPr>
           <a:xfrm>
             <a:off x="3884760" y="8685360"/>
-            <a:ext cx="2970720" cy="457560"/>
+            <a:ext cx="2970360" cy="457200"/>
           </a:xfrm>
           <a:prstGeom prst="rect">
             <a:avLst/>
@@ -509,7 +509,7 @@
                 <a:tab algn="l" pos="0"/>
               </a:tabLst>
             </a:pPr>
-            <a:fld id="{F67D1E35-0498-45CA-8155-7F6C575EEA0C}" type="slidenum">
+            <a:fld id="{F63C3CAB-6E05-494F-9360-26E720EF1621}" type="slidenum">
               <a:rPr b="0" lang="en-US" sz="1200" spc="-1" strike="noStrike">
                 <a:solidFill>
                   <a:srgbClr val="000000"/>
@@ -562,7 +562,7 @@
         <p:spPr>
           <a:xfrm>
             <a:off x="685800" y="1143000"/>
-            <a:ext cx="5485320" cy="3085200"/>
+            <a:ext cx="5484960" cy="3084840"/>
           </a:xfrm>
           <a:prstGeom prst="rect">
             <a:avLst/>
@@ -585,7 +585,7 @@
         <p:spPr>
           <a:xfrm>
             <a:off x="685800" y="4400640"/>
-            <a:ext cx="5485320" cy="3599280"/>
+            <a:ext cx="5484960" cy="3598920"/>
           </a:xfrm>
           <a:prstGeom prst="rect">
             <a:avLst/>
@@ -625,7 +625,7 @@
         <p:spPr>
           <a:xfrm>
             <a:off x="3884760" y="8685360"/>
-            <a:ext cx="2970720" cy="457560"/>
+            <a:ext cx="2970360" cy="457200"/>
           </a:xfrm>
           <a:prstGeom prst="rect">
             <a:avLst/>
@@ -666,7 +666,7 @@
                 <a:tab algn="l" pos="0"/>
               </a:tabLst>
             </a:pPr>
-            <a:fld id="{11EBE1E7-C00A-4B67-8AB2-6368146697B8}" type="slidenum">
+            <a:fld id="{BCC8D730-6DAF-45E7-8789-1DC17AFD729F}" type="slidenum">
               <a:rPr b="0" lang="en-US" sz="1200" spc="-1" strike="noStrike">
                 <a:solidFill>
                   <a:srgbClr val="000000"/>
@@ -719,7 +719,7 @@
         <p:spPr>
           <a:xfrm>
             <a:off x="685800" y="1143000"/>
-            <a:ext cx="5485320" cy="3085200"/>
+            <a:ext cx="5484960" cy="3084840"/>
           </a:xfrm>
           <a:prstGeom prst="rect">
             <a:avLst/>
@@ -742,7 +742,7 @@
         <p:spPr>
           <a:xfrm>
             <a:off x="685800" y="4400640"/>
-            <a:ext cx="5485320" cy="3599280"/>
+            <a:ext cx="5484960" cy="3598920"/>
           </a:xfrm>
           <a:prstGeom prst="rect">
             <a:avLst/>
@@ -782,7 +782,7 @@
         <p:spPr>
           <a:xfrm>
             <a:off x="3884760" y="8685360"/>
-            <a:ext cx="2970720" cy="457560"/>
+            <a:ext cx="2970360" cy="457200"/>
           </a:xfrm>
           <a:prstGeom prst="rect">
             <a:avLst/>
@@ -823,7 +823,7 @@
                 <a:tab algn="l" pos="0"/>
               </a:tabLst>
             </a:pPr>
-            <a:fld id="{D6C0A498-E9B6-45F3-A0D2-6E8494DFD487}" type="slidenum">
+            <a:fld id="{E166AF98-F411-405E-B6E7-CB180159C850}" type="slidenum">
               <a:rPr b="0" lang="en-US" sz="1200" spc="-1" strike="noStrike">
                 <a:solidFill>
                   <a:srgbClr val="000000"/>
@@ -876,7 +876,7 @@
         <p:spPr>
           <a:xfrm>
             <a:off x="685800" y="1143000"/>
-            <a:ext cx="5485320" cy="3085200"/>
+            <a:ext cx="5484960" cy="3084840"/>
           </a:xfrm>
           <a:prstGeom prst="rect">
             <a:avLst/>
@@ -899,7 +899,7 @@
         <p:spPr>
           <a:xfrm>
             <a:off x="685800" y="4400640"/>
-            <a:ext cx="5485320" cy="3599280"/>
+            <a:ext cx="5484960" cy="3598920"/>
           </a:xfrm>
           <a:prstGeom prst="rect">
             <a:avLst/>
@@ -939,7 +939,7 @@
         <p:spPr>
           <a:xfrm>
             <a:off x="3884760" y="8685360"/>
-            <a:ext cx="2970720" cy="457560"/>
+            <a:ext cx="2970360" cy="457200"/>
           </a:xfrm>
           <a:prstGeom prst="rect">
             <a:avLst/>
@@ -980,7 +980,7 @@
                 <a:tab algn="l" pos="0"/>
               </a:tabLst>
             </a:pPr>
-            <a:fld id="{47C87808-03DE-40D7-BF5D-BEB31000BD5B}" type="slidenum">
+            <a:fld id="{8B32D7F8-79FD-4510-A9A0-971E92B6C732}" type="slidenum">
               <a:rPr b="0" lang="en-US" sz="1200" spc="-1" strike="noStrike">
                 <a:solidFill>
                   <a:srgbClr val="000000"/>
@@ -1033,7 +1033,7 @@
         <p:spPr>
           <a:xfrm>
             <a:off x="685800" y="1143000"/>
-            <a:ext cx="5485320" cy="3085200"/>
+            <a:ext cx="5484960" cy="3084840"/>
           </a:xfrm>
           <a:prstGeom prst="rect">
             <a:avLst/>
@@ -1056,7 +1056,7 @@
         <p:spPr>
           <a:xfrm>
             <a:off x="685800" y="4400640"/>
-            <a:ext cx="5485320" cy="3599280"/>
+            <a:ext cx="5484960" cy="3598920"/>
           </a:xfrm>
           <a:prstGeom prst="rect">
             <a:avLst/>
@@ -1096,7 +1096,7 @@
         <p:spPr>
           <a:xfrm>
             <a:off x="3884760" y="8685360"/>
-            <a:ext cx="2970720" cy="457560"/>
+            <a:ext cx="2970360" cy="457200"/>
           </a:xfrm>
           <a:prstGeom prst="rect">
             <a:avLst/>
@@ -1137,7 +1137,7 @@
                 <a:tab algn="l" pos="0"/>
               </a:tabLst>
             </a:pPr>
-            <a:fld id="{3053D6A2-545C-4483-AA99-8617E43672F4}" type="slidenum">
+            <a:fld id="{2B6BA1D0-CAD9-4CD6-9EE6-CCE6887A904C}" type="slidenum">
               <a:rPr b="0" lang="en-US" sz="1200" spc="-1" strike="noStrike">
                 <a:solidFill>
                   <a:srgbClr val="000000"/>
@@ -1190,7 +1190,7 @@
         <p:spPr>
           <a:xfrm>
             <a:off x="685800" y="1143000"/>
-            <a:ext cx="5485320" cy="3085200"/>
+            <a:ext cx="5484960" cy="3084840"/>
           </a:xfrm>
           <a:prstGeom prst="rect">
             <a:avLst/>
@@ -1213,7 +1213,7 @@
         <p:spPr>
           <a:xfrm>
             <a:off x="685800" y="4400640"/>
-            <a:ext cx="5485320" cy="3599280"/>
+            <a:ext cx="5484960" cy="3598920"/>
           </a:xfrm>
           <a:prstGeom prst="rect">
             <a:avLst/>
@@ -1253,7 +1253,7 @@
         <p:spPr>
           <a:xfrm>
             <a:off x="3884760" y="8685360"/>
-            <a:ext cx="2970720" cy="457560"/>
+            <a:ext cx="2970360" cy="457200"/>
           </a:xfrm>
           <a:prstGeom prst="rect">
             <a:avLst/>
@@ -1294,7 +1294,7 @@
                 <a:tab algn="l" pos="0"/>
               </a:tabLst>
             </a:pPr>
-            <a:fld id="{ACA89BFB-F4D0-4D6B-B308-6FF04E276CFF}" type="slidenum">
+            <a:fld id="{5BC17805-D13A-4CC2-81E8-201ED39A3AF6}" type="slidenum">
               <a:rPr b="0" lang="en-US" sz="1200" spc="-1" strike="noStrike">
                 <a:solidFill>
                   <a:srgbClr val="000000"/>
@@ -1347,7 +1347,7 @@
         <p:spPr>
           <a:xfrm>
             <a:off x="685800" y="1143000"/>
-            <a:ext cx="5485320" cy="3085200"/>
+            <a:ext cx="5484960" cy="3084840"/>
           </a:xfrm>
           <a:prstGeom prst="rect">
             <a:avLst/>
@@ -1370,7 +1370,7 @@
         <p:spPr>
           <a:xfrm>
             <a:off x="685800" y="4400640"/>
-            <a:ext cx="5485320" cy="3599280"/>
+            <a:ext cx="5484960" cy="3598920"/>
           </a:xfrm>
           <a:prstGeom prst="rect">
             <a:avLst/>
@@ -1410,7 +1410,7 @@
         <p:spPr>
           <a:xfrm>
             <a:off x="3884760" y="8685360"/>
-            <a:ext cx="2970720" cy="457560"/>
+            <a:ext cx="2970360" cy="457200"/>
           </a:xfrm>
           <a:prstGeom prst="rect">
             <a:avLst/>
@@ -1451,7 +1451,7 @@
                 <a:tab algn="l" pos="0"/>
               </a:tabLst>
             </a:pPr>
-            <a:fld id="{B108F7AA-D8E5-40C6-92A8-A6F77E5B57FA}" type="slidenum">
+            <a:fld id="{CAA1D12C-CB41-4F2C-B383-00A41C80655A}" type="slidenum">
               <a:rPr b="0" lang="en-US" sz="1200" spc="-1" strike="noStrike">
                 <a:solidFill>
                   <a:srgbClr val="000000"/>
@@ -2249,7 +2249,7 @@
         <p:txBody>
           <a:bodyPr/>
           <a:p>
-            <a:fld id="{07E96219-9B56-4D94-A436-32BEF9E177DD}" type="slidenum">
+            <a:fld id="{52658E0B-8778-441B-A0A9-C820091692E4}" type="slidenum">
               <a:t>&lt;#&gt;</a:t>
             </a:fld>
           </a:p>
@@ -2391,7 +2391,7 @@
         <p:txBody>
           <a:bodyPr/>
           <a:p>
-            <a:fld id="{6D240594-EACE-4ABD-830F-44C25FA009A5}" type="slidenum">
+            <a:fld id="{505F07DE-149B-433A-91B1-1B8477BE4422}" type="slidenum">
               <a:t>&lt;#&gt;</a:t>
             </a:fld>
           </a:p>
@@ -2536,7 +2536,7 @@
         <p:txBody>
           <a:bodyPr/>
           <a:p>
-            <a:fld id="{82F214DC-60C8-4574-A2AA-4FB4C07AE7B5}" type="slidenum">
+            <a:fld id="{405FAA66-75F6-40D0-9C4F-41AE4971DDE3}" type="slidenum">
               <a:t>&lt;#&gt;</a:t>
             </a:fld>
           </a:p>
@@ -2724,7 +2724,7 @@
         <p:txBody>
           <a:bodyPr/>
           <a:p>
-            <a:fld id="{A88DB26F-B41C-4EB1-B429-67BC2176D3C9}" type="slidenum">
+            <a:fld id="{87F918CB-C36C-45AB-B13C-8C31E4795A4A}" type="slidenum">
               <a:t>&lt;#&gt;</a:t>
             </a:fld>
           </a:p>
@@ -2826,7 +2826,7 @@
         <p:txBody>
           <a:bodyPr/>
           <a:p>
-            <a:fld id="{9AB30CA6-1547-4AA2-BDA6-3AC6068EB4B3}" type="slidenum">
+            <a:fld id="{60658755-7EAD-43C4-BE18-06295E75B518}" type="slidenum">
               <a:t>&lt;#&gt;</a:t>
             </a:fld>
           </a:p>
@@ -2926,7 +2926,7 @@
         <p:txBody>
           <a:bodyPr/>
           <a:p>
-            <a:fld id="{26853CEC-11DD-4C2B-B254-033059715EEA}" type="slidenum">
+            <a:fld id="{1CE0332A-E6AC-427A-ABE2-FB6646C870D3}" type="slidenum">
               <a:t>&lt;#&gt;</a:t>
             </a:fld>
           </a:p>
@@ -3157,7 +3157,7 @@
         <p:txBody>
           <a:bodyPr/>
           <a:p>
-            <a:fld id="{6FB79337-BDE9-4D94-8798-D3772EBD6283}" type="slidenum">
+            <a:fld id="{0158E579-3F30-44DD-A311-1383DAD4BD2B}" type="slidenum">
               <a:t>&lt;#&gt;</a:t>
             </a:fld>
           </a:p>
@@ -3490,7 +3490,7 @@
         <p:txBody>
           <a:bodyPr/>
           <a:p>
-            <a:fld id="{9EE0810A-0EE5-493B-B362-0F51DB00552F}" type="slidenum">
+            <a:fld id="{C6444C77-9857-4AC2-A964-2B65340CA627}" type="slidenum">
               <a:t>&lt;#&gt;</a:t>
             </a:fld>
           </a:p>
@@ -3721,7 +3721,7 @@
         <p:txBody>
           <a:bodyPr/>
           <a:p>
-            <a:fld id="{67628A6F-DC6E-4B75-9522-910B329041AA}" type="slidenum">
+            <a:fld id="{2FB2B1F4-06A5-4DEA-BC88-38756115999C}" type="slidenum">
               <a:t>&lt;#&gt;</a:t>
             </a:fld>
           </a:p>
@@ -3909,7 +3909,7 @@
         <p:txBody>
           <a:bodyPr/>
           <a:p>
-            <a:fld id="{63F5E905-AECC-435C-B5EE-701299C8A90C}" type="slidenum">
+            <a:fld id="{FA62C87F-4AE8-4D45-951F-32B27E11FC0A}" type="slidenum">
               <a:t>&lt;#&gt;</a:t>
             </a:fld>
           </a:p>
@@ -4183,7 +4183,7 @@
         <p:txBody>
           <a:bodyPr/>
           <a:p>
-            <a:fld id="{69B0A8CB-1FDE-45D5-81FB-20ECB0A82F7D}" type="slidenum">
+            <a:fld id="{0DAAD487-CC15-4997-8569-9848EE2EC6D4}" type="slidenum">
               <a:t>&lt;#&gt;</a:t>
             </a:fld>
           </a:p>
@@ -4543,7 +4543,7 @@
         <p:txBody>
           <a:bodyPr/>
           <a:p>
-            <a:fld id="{CB53CD0D-B835-49BA-907C-9D49F3ED0A29}" type="slidenum">
+            <a:fld id="{43FC036E-4754-4001-9E82-3ED9386C47FD}" type="slidenum">
               <a:t>&lt;#&gt;</a:t>
             </a:fld>
           </a:p>
@@ -4605,7 +4605,7 @@
         <p:txBody>
           <a:bodyPr/>
           <a:p>
-            <a:fld id="{DE54028C-CAE2-4FFC-968F-EC483B00E279}" type="slidenum">
+            <a:fld id="{EECF2E5E-0663-4308-AED0-A377AC2EBD5A}" type="slidenum">
               <a:t>&lt;#&gt;</a:t>
             </a:fld>
           </a:p>
@@ -4747,7 +4747,7 @@
         <p:txBody>
           <a:bodyPr/>
           <a:p>
-            <a:fld id="{F82615E0-954A-4966-81B9-1F63871AA159}" type="slidenum">
+            <a:fld id="{F599FDA0-6989-41FD-B494-B8A2A9045F7F}" type="slidenum">
               <a:t>&lt;#&gt;</a:t>
             </a:fld>
           </a:p>
@@ -4892,7 +4892,7 @@
         <p:txBody>
           <a:bodyPr/>
           <a:p>
-            <a:fld id="{B87BBDED-3AE9-43C0-AB82-7553FC56E461}" type="slidenum">
+            <a:fld id="{6FCC93EB-168F-4B17-A7F7-9BC1729C6507}" type="slidenum">
               <a:t>&lt;#&gt;</a:t>
             </a:fld>
           </a:p>
@@ -5080,7 +5080,7 @@
         <p:txBody>
           <a:bodyPr/>
           <a:p>
-            <a:fld id="{582054E7-04E9-4577-B527-E2864AAAA94D}" type="slidenum">
+            <a:fld id="{B8F89B4A-8FA9-447E-858F-81F712C9F3DA}" type="slidenum">
               <a:t>&lt;#&gt;</a:t>
             </a:fld>
           </a:p>
@@ -5182,7 +5182,7 @@
         <p:txBody>
           <a:bodyPr/>
           <a:p>
-            <a:fld id="{5FE467AE-D866-4FE3-84E9-D8FB83F49F27}" type="slidenum">
+            <a:fld id="{8B4CA7F0-117D-4429-9E23-EB8B8163915F}" type="slidenum">
               <a:t>&lt;#&gt;</a:t>
             </a:fld>
           </a:p>
@@ -5387,7 +5387,7 @@
         <p:txBody>
           <a:bodyPr/>
           <a:p>
-            <a:fld id="{1D2DEFEC-F803-4A57-A057-A9687089727B}" type="slidenum">
+            <a:fld id="{777D0462-1040-4462-AFCC-5906EA4295CD}" type="slidenum">
               <a:t>&lt;#&gt;</a:t>
             </a:fld>
           </a:p>
@@ -5618,7 +5618,7 @@
         <p:txBody>
           <a:bodyPr/>
           <a:p>
-            <a:fld id="{0645DD5E-11CA-46F9-B9D2-DE26D4600FD3}" type="slidenum">
+            <a:fld id="{7457FC54-789F-4728-959A-7818516992E1}" type="slidenum">
               <a:t>&lt;#&gt;</a:t>
             </a:fld>
           </a:p>
@@ -5849,7 +5849,7 @@
         <p:txBody>
           <a:bodyPr/>
           <a:p>
-            <a:fld id="{23A258E9-581F-4AAC-9258-0060EF475B48}" type="slidenum">
+            <a:fld id="{BFCC5E89-FE46-45FF-87D6-0DDF68679265}" type="slidenum">
               <a:t>&lt;#&gt;</a:t>
             </a:fld>
           </a:p>
@@ -6080,7 +6080,7 @@
         <p:txBody>
           <a:bodyPr/>
           <a:p>
-            <a:fld id="{74A53F2A-A524-461D-B647-D9A24B7F93F9}" type="slidenum">
+            <a:fld id="{65747021-F98C-4996-A17E-DE473B99BADA}" type="slidenum">
               <a:t>&lt;#&gt;</a:t>
             </a:fld>
           </a:p>
@@ -6268,7 +6268,7 @@
         <p:txBody>
           <a:bodyPr/>
           <a:p>
-            <a:fld id="{79621B32-FE53-485A-BCAA-4896173422B5}" type="slidenum">
+            <a:fld id="{168E926A-918B-400C-93C0-F5D63C14CE3D}" type="slidenum">
               <a:t>&lt;#&gt;</a:t>
             </a:fld>
           </a:p>
@@ -6542,7 +6542,7 @@
         <p:txBody>
           <a:bodyPr/>
           <a:p>
-            <a:fld id="{48193B35-86DB-4623-BD10-A1F996B8F292}" type="slidenum">
+            <a:fld id="{ED16342E-0F9E-4D2D-92DF-E11AF863E8E0}" type="slidenum">
               <a:t>&lt;#&gt;</a:t>
             </a:fld>
           </a:p>
@@ -6902,7 +6902,7 @@
         <p:txBody>
           <a:bodyPr/>
           <a:p>
-            <a:fld id="{80736A24-5AC1-45BA-B89E-9B5EE1BAF161}" type="slidenum">
+            <a:fld id="{55FF75A1-EEA2-4DB6-920E-D95321A1D317}" type="slidenum">
               <a:t>&lt;#&gt;</a:t>
             </a:fld>
           </a:p>
@@ -6964,7 +6964,7 @@
         <p:txBody>
           <a:bodyPr/>
           <a:p>
-            <a:fld id="{5F781395-33F3-4500-8CC2-6A1407F71A48}" type="slidenum">
+            <a:fld id="{F906F24F-BC2C-429C-9609-CE4EAE6C5C1B}" type="slidenum">
               <a:t>&lt;#&gt;</a:t>
             </a:fld>
           </a:p>
@@ -7106,7 +7106,7 @@
         <p:txBody>
           <a:bodyPr/>
           <a:p>
-            <a:fld id="{1C630164-0FEA-470D-9ECF-599116FF90CF}" type="slidenum">
+            <a:fld id="{A1490F94-C25A-4082-A485-3C0BA9656B38}" type="slidenum">
               <a:t>&lt;#&gt;</a:t>
             </a:fld>
           </a:p>
@@ -7251,7 +7251,7 @@
         <p:txBody>
           <a:bodyPr/>
           <a:p>
-            <a:fld id="{39769A92-FCEE-401F-8DBE-55F0A503C41E}" type="slidenum">
+            <a:fld id="{68C9A49B-F291-4ED5-AA89-0D2BADD87A4F}" type="slidenum">
               <a:t>&lt;#&gt;</a:t>
             </a:fld>
           </a:p>
@@ -7587,7 +7587,7 @@
         <p:txBody>
           <a:bodyPr/>
           <a:p>
-            <a:fld id="{AEB25D57-BAC2-4018-835D-2D996040DE82}" type="slidenum">
+            <a:fld id="{C8C05E29-C864-4F08-9125-6BA8983B773E}" type="slidenum">
               <a:t>&lt;#&gt;</a:t>
             </a:fld>
           </a:p>
@@ -7689,7 +7689,7 @@
         <p:txBody>
           <a:bodyPr/>
           <a:p>
-            <a:fld id="{3DD39CD8-5725-4124-880C-3F2D6B2B3BAC}" type="slidenum">
+            <a:fld id="{DACD02F1-C10E-4E0B-B0C6-27208E2B9229}" type="slidenum">
               <a:t>&lt;#&gt;</a:t>
             </a:fld>
           </a:p>
@@ -7789,7 +7789,7 @@
         <p:txBody>
           <a:bodyPr/>
           <a:p>
-            <a:fld id="{9500771B-28BF-4834-A964-0DE4353C438F}" type="slidenum">
+            <a:fld id="{11AFBF3C-A059-4A94-9501-8F81507DBA8A}" type="slidenum">
               <a:t>&lt;#&gt;</a:t>
             </a:fld>
           </a:p>
@@ -8020,7 +8020,7 @@
         <p:txBody>
           <a:bodyPr/>
           <a:p>
-            <a:fld id="{59679F36-894F-448E-AB04-FE886817ACCD}" type="slidenum">
+            <a:fld id="{E50C2F4B-6020-4017-ABE6-8D6AF6C21681}" type="slidenum">
               <a:t>&lt;#&gt;</a:t>
             </a:fld>
           </a:p>
@@ -8251,7 +8251,7 @@
         <p:txBody>
           <a:bodyPr/>
           <a:p>
-            <a:fld id="{DFD7B14F-DC34-4B22-85BF-5C53C7961A8F}" type="slidenum">
+            <a:fld id="{E91922C0-0A09-4667-83CF-E14EFD727418}" type="slidenum">
               <a:t>&lt;#&gt;</a:t>
             </a:fld>
           </a:p>
@@ -8482,7 +8482,7 @@
         <p:txBody>
           <a:bodyPr/>
           <a:p>
-            <a:fld id="{D9DF1834-A508-4490-BF80-A8305A2A2160}" type="slidenum">
+            <a:fld id="{0CDA3147-2D69-436F-BA56-D112A854B0A3}" type="slidenum">
               <a:t>&lt;#&gt;</a:t>
             </a:fld>
           </a:p>
@@ -8670,7 +8670,7 @@
         <p:txBody>
           <a:bodyPr/>
           <a:p>
-            <a:fld id="{049CA1F0-E912-4224-8AD6-4E7A142201C0}" type="slidenum">
+            <a:fld id="{AFAC5B9A-5ACF-4465-B8A6-A342D315B0FF}" type="slidenum">
               <a:t>&lt;#&gt;</a:t>
             </a:fld>
           </a:p>
@@ -8944,7 +8944,7 @@
         <p:txBody>
           <a:bodyPr/>
           <a:p>
-            <a:fld id="{4EFEBA87-C0FF-41C3-8916-E78EF9A3B235}" type="slidenum">
+            <a:fld id="{4888DB32-1B64-4B23-B3BE-B26FD113EE17}" type="slidenum">
               <a:t>&lt;#&gt;</a:t>
             </a:fld>
           </a:p>
@@ -9304,7 +9304,7 @@
         <p:txBody>
           <a:bodyPr/>
           <a:p>
-            <a:fld id="{6DEC0DB8-A594-409C-8D2F-2F6F4AD079E6}" type="slidenum">
+            <a:fld id="{D25A9F94-B291-4387-8167-F56F5B40C5D8}" type="slidenum">
               <a:t>&lt;#&gt;</a:t>
             </a:fld>
           </a:p>
@@ -9366,7 +9366,7 @@
         <p:txBody>
           <a:bodyPr/>
           <a:p>
-            <a:fld id="{9431E480-88BE-4F0A-A99B-06C7B51DC917}" type="slidenum">
+            <a:fld id="{741722C8-2CD0-4F78-B757-F9FA08E24014}" type="slidenum">
               <a:t>&lt;#&gt;</a:t>
             </a:fld>
           </a:p>
@@ -9570,7 +9570,7 @@
         <p:txBody>
           <a:bodyPr/>
           <a:p>
-            <a:fld id="{43582035-519E-437A-9D40-BBEC438B5CE3}" type="slidenum">
+            <a:fld id="{EA1B136C-C89B-4B33-A122-585986617B49}" type="slidenum">
               <a:t>&lt;#&gt;</a:t>
             </a:fld>
           </a:p>
@@ -9715,7 +9715,7 @@
         <p:txBody>
           <a:bodyPr/>
           <a:p>
-            <a:fld id="{6D5BCA7E-E26F-4C73-9138-525A16E9E2B0}" type="slidenum">
+            <a:fld id="{1FC5F1FD-855F-4A94-A8F4-8BEF235E271C}" type="slidenum">
               <a:t>&lt;#&gt;</a:t>
             </a:fld>
           </a:p>
@@ -9903,7 +9903,7 @@
         <p:txBody>
           <a:bodyPr/>
           <a:p>
-            <a:fld id="{A163E333-0CA3-40AF-9894-FBC9BD461960}" type="slidenum">
+            <a:fld id="{77B3A667-ED06-485F-B25D-4CCF3B149C15}" type="slidenum">
               <a:t>&lt;#&gt;</a:t>
             </a:fld>
           </a:p>
@@ -10005,7 +10005,7 @@
         <p:txBody>
           <a:bodyPr/>
           <a:p>
-            <a:fld id="{9A056564-0A34-42E8-81FE-29B73CAA423C}" type="slidenum">
+            <a:fld id="{584AA6D8-775C-4231-B8DD-7FECD3FA06FF}" type="slidenum">
               <a:t>&lt;#&gt;</a:t>
             </a:fld>
           </a:p>
@@ -10105,7 +10105,7 @@
         <p:txBody>
           <a:bodyPr/>
           <a:p>
-            <a:fld id="{DBC944F2-58D4-4918-8675-CA69830B7FA2}" type="slidenum">
+            <a:fld id="{A7F0657A-0C8E-4EC8-8405-5304935A189E}" type="slidenum">
               <a:t>&lt;#&gt;</a:t>
             </a:fld>
           </a:p>
@@ -10336,7 +10336,7 @@
         <p:txBody>
           <a:bodyPr/>
           <a:p>
-            <a:fld id="{DD4782E6-DE1A-4C9E-8EAC-D80A220E4AE4}" type="slidenum">
+            <a:fld id="{795DD5C0-6458-4AB5-BE3A-FDFEBC01103C}" type="slidenum">
               <a:t>&lt;#&gt;</a:t>
             </a:fld>
           </a:p>
@@ -10567,7 +10567,7 @@
         <p:txBody>
           <a:bodyPr/>
           <a:p>
-            <a:fld id="{81D38484-58E9-4C19-9DC1-377747B53FCD}" type="slidenum">
+            <a:fld id="{D246560C-5393-499F-AFAF-3B2F85BA91B0}" type="slidenum">
               <a:t>&lt;#&gt;</a:t>
             </a:fld>
           </a:p>
@@ -10798,7 +10798,7 @@
         <p:txBody>
           <a:bodyPr/>
           <a:p>
-            <a:fld id="{947211AE-54A7-4F36-B5CE-7B25D1B38C0D}" type="slidenum">
+            <a:fld id="{1FC9D9CC-02DC-441B-AFF2-FBA1363D0C89}" type="slidenum">
               <a:t>&lt;#&gt;</a:t>
             </a:fld>
           </a:p>
@@ -10986,7 +10986,7 @@
         <p:txBody>
           <a:bodyPr/>
           <a:p>
-            <a:fld id="{10275550-5282-4405-8DAB-D227F00C86AB}" type="slidenum">
+            <a:fld id="{30418E7C-FFA7-41C3-B267-ADA4FA57240D}" type="slidenum">
               <a:t>&lt;#&gt;</a:t>
             </a:fld>
           </a:p>
@@ -11260,7 +11260,7 @@
         <p:txBody>
           <a:bodyPr/>
           <a:p>
-            <a:fld id="{9F3C3B3D-92C3-4856-B2EC-11BCBE2D9D3E}" type="slidenum">
+            <a:fld id="{4CFF4FB3-B9F0-42B3-8E7B-EC9A40E697C6}" type="slidenum">
               <a:t>&lt;#&gt;</a:t>
             </a:fld>
           </a:p>
@@ -11680,7 +11680,7 @@
         <p:txBody>
           <a:bodyPr/>
           <a:p>
-            <a:fld id="{13B6BE50-1CB0-413D-8A48-670B00CDDEC0}" type="slidenum">
+            <a:fld id="{8EDB242E-316D-44C2-8BB3-E11E09CBB263}" type="slidenum">
               <a:t>&lt;#&gt;</a:t>
             </a:fld>
           </a:p>
@@ -11742,7 +11742,7 @@
         <p:txBody>
           <a:bodyPr/>
           <a:p>
-            <a:fld id="{3EFE7952-F3C8-4F0C-9D43-C675D24207B3}" type="slidenum">
+            <a:fld id="{59189780-EF73-400F-AC74-DB80C9F8FCCB}" type="slidenum">
               <a:t>&lt;#&gt;</a:t>
             </a:fld>
           </a:p>
@@ -11884,7 +11884,7 @@
         <p:txBody>
           <a:bodyPr/>
           <a:p>
-            <a:fld id="{5788A8D3-AFE4-4581-8D63-EFCD606A0EAE}" type="slidenum">
+            <a:fld id="{A9B96EDA-FF9C-425B-B373-100556DB4834}" type="slidenum">
               <a:t>&lt;#&gt;</a:t>
             </a:fld>
           </a:p>
@@ -12029,7 +12029,7 @@
         <p:txBody>
           <a:bodyPr/>
           <a:p>
-            <a:fld id="{A45C343F-1EE2-4F34-A172-D4C65D9B019E}" type="slidenum">
+            <a:fld id="{09C480AB-3826-4DF9-BF4F-6CF3027F2605}" type="slidenum">
               <a:t>&lt;#&gt;</a:t>
             </a:fld>
           </a:p>
@@ -12217,7 +12217,7 @@
         <p:txBody>
           <a:bodyPr/>
           <a:p>
-            <a:fld id="{58EEC83B-C4BC-4708-A2BD-B93A070E4572}" type="slidenum">
+            <a:fld id="{58B89B70-C414-417E-BF62-2F056C3551BA}" type="slidenum">
               <a:t>&lt;#&gt;</a:t>
             </a:fld>
           </a:p>
@@ -12319,7 +12319,7 @@
         <p:txBody>
           <a:bodyPr/>
           <a:p>
-            <a:fld id="{FF8CD037-F475-4C28-AC98-E79F117B9B1B}" type="slidenum">
+            <a:fld id="{A97C640A-2FE9-4D5C-9C56-5ADB0F6B6687}" type="slidenum">
               <a:t>&lt;#&gt;</a:t>
             </a:fld>
           </a:p>
@@ -12419,7 +12419,7 @@
         <p:txBody>
           <a:bodyPr/>
           <a:p>
-            <a:fld id="{8A58D749-0413-48C0-A3EC-22D14FFD1CC0}" type="slidenum">
+            <a:fld id="{433F9BFE-1BC0-4CDE-9DD1-6D70008534BC}" type="slidenum">
               <a:t>&lt;#&gt;</a:t>
             </a:fld>
           </a:p>
@@ -12650,7 +12650,7 @@
         <p:txBody>
           <a:bodyPr/>
           <a:p>
-            <a:fld id="{15C47913-BC8B-44F5-844A-725FE2B0D09B}" type="slidenum">
+            <a:fld id="{326CC674-13EA-4195-A8B4-6E58AA15858D}" type="slidenum">
               <a:t>&lt;#&gt;</a:t>
             </a:fld>
           </a:p>
@@ -12881,7 +12881,7 @@
         <p:txBody>
           <a:bodyPr/>
           <a:p>
-            <a:fld id="{2A31BC87-B4BA-4555-A25B-D815AA76956D}" type="slidenum">
+            <a:fld id="{C686E39B-BD42-4370-99A7-A08F5BB71D40}" type="slidenum">
               <a:t>&lt;#&gt;</a:t>
             </a:fld>
           </a:p>
@@ -13112,7 +13112,7 @@
         <p:txBody>
           <a:bodyPr/>
           <a:p>
-            <a:fld id="{3FBFC278-8231-4FFA-93CE-05A5516DD9A9}" type="slidenum">
+            <a:fld id="{42C3096E-FE6A-4178-A800-8CEEB5BB2479}" type="slidenum">
               <a:t>&lt;#&gt;</a:t>
             </a:fld>
           </a:p>
@@ -13491,7 +13491,7 @@
         <p:txBody>
           <a:bodyPr/>
           <a:p>
-            <a:fld id="{9812EE62-8BCB-4D99-B933-60FD7DE7C063}" type="slidenum">
+            <a:fld id="{EAB733CE-8678-40AD-BA5F-8006A903CD7B}" type="slidenum">
               <a:t>&lt;#&gt;</a:t>
             </a:fld>
           </a:p>
@@ -13765,7 +13765,7 @@
         <p:txBody>
           <a:bodyPr/>
           <a:p>
-            <a:fld id="{A2120203-AC12-490F-B625-B8A5E05ED009}" type="slidenum">
+            <a:fld id="{E5919772-C572-47A4-8F38-C88A197DB44B}" type="slidenum">
               <a:t>&lt;#&gt;</a:t>
             </a:fld>
           </a:p>
@@ -14125,7 +14125,7 @@
         <p:txBody>
           <a:bodyPr/>
           <a:p>
-            <a:fld id="{E38C4110-1F35-4240-AC82-192508D71074}" type="slidenum">
+            <a:fld id="{E1ACBF59-750C-40C9-98BB-2302A0211CEB}" type="slidenum">
               <a:t>&lt;#&gt;</a:t>
             </a:fld>
           </a:p>
@@ -16325,15 +16325,15 @@
         <p:spPr>
           <a:xfrm>
             <a:off x="9729360" y="5801760"/>
-            <a:ext cx="2114280" cy="1055160"/>
+            <a:ext cx="2113920" cy="1054800"/>
           </a:xfrm>
           <a:custGeom>
             <a:avLst/>
             <a:gdLst>
-              <a:gd name="textAreaLeft" fmla="*/ 0 w 2114280"/>
-              <a:gd name="textAreaRight" fmla="*/ 2115360 w 2114280"/>
-              <a:gd name="textAreaTop" fmla="*/ 0 h 1055160"/>
-              <a:gd name="textAreaBottom" fmla="*/ 1056240 h 1055160"/>
+              <a:gd name="textAreaLeft" fmla="*/ 0 w 2113920"/>
+              <a:gd name="textAreaRight" fmla="*/ 2115360 w 2113920"/>
+              <a:gd name="textAreaTop" fmla="*/ 0 h 1054800"/>
+              <a:gd name="textAreaBottom" fmla="*/ 1056240 h 1054800"/>
             </a:gdLst>
             <a:ahLst/>
             <a:rect l="textAreaLeft" t="textAreaTop" r="textAreaRight" b="textAreaBottom"/>
@@ -16419,7 +16419,7 @@
         <p:spPr>
           <a:xfrm>
             <a:off x="9999720" y="0"/>
-            <a:ext cx="1573560" cy="3953520"/>
+            <a:ext cx="1573200" cy="3953160"/>
           </a:xfrm>
           <a:prstGeom prst="rect">
             <a:avLst/>
@@ -16756,15 +16756,15 @@
         <p:spPr>
           <a:xfrm>
             <a:off x="8077320" y="0"/>
-            <a:ext cx="4113720" cy="5711760"/>
+            <a:ext cx="4113360" cy="5711400"/>
           </a:xfrm>
           <a:custGeom>
             <a:avLst/>
             <a:gdLst>
-              <a:gd name="textAreaLeft" fmla="*/ 0 w 4113720"/>
-              <a:gd name="textAreaRight" fmla="*/ 4114800 w 4113720"/>
-              <a:gd name="textAreaTop" fmla="*/ 0 h 5711760"/>
-              <a:gd name="textAreaBottom" fmla="*/ 5712840 h 5711760"/>
+              <a:gd name="textAreaLeft" fmla="*/ 0 w 4113360"/>
+              <a:gd name="textAreaRight" fmla="*/ 4114800 w 4113360"/>
+              <a:gd name="textAreaTop" fmla="*/ 0 h 5711400"/>
+              <a:gd name="textAreaBottom" fmla="*/ 5712840 h 5711400"/>
             </a:gdLst>
             <a:ahLst/>
             <a:rect l="textAreaLeft" t="textAreaTop" r="textAreaRight" b="textAreaBottom"/>
@@ -16830,7 +16830,7 @@
         <p:spPr>
           <a:xfrm>
             <a:off x="7445520" y="944280"/>
-            <a:ext cx="1289880" cy="1289880"/>
+            <a:ext cx="1289520" cy="1289520"/>
           </a:xfrm>
           <a:prstGeom prst="ellipse">
             <a:avLst/>
@@ -16891,7 +16891,7 @@
         <p:spPr>
           <a:xfrm>
             <a:off x="811080" y="6356520"/>
-            <a:ext cx="4410360" cy="363960"/>
+            <a:ext cx="4410000" cy="363600"/>
           </a:xfrm>
           <a:prstGeom prst="rect">
             <a:avLst/>
@@ -16914,7 +16914,7 @@
               <a:tabLst>
                 <a:tab algn="l" pos="0"/>
               </a:tabLst>
-              <a:defRPr b="0" lang="en-US" sz="1200" spc="43" strike="noStrike">
+              <a:defRPr b="0" lang="en-US" sz="1200" spc="41" strike="noStrike">
                 <a:solidFill>
                   <a:srgbClr val="ffffff"/>
                 </a:solidFill>
@@ -16933,7 +16933,7 @@
               </a:tabLst>
             </a:pPr>
             <a:r>
-              <a:rPr b="0" lang="en-US" sz="1200" spc="43" strike="noStrike">
+              <a:rPr b="0" lang="en-US" sz="1200" spc="41" strike="noStrike">
                 <a:solidFill>
                   <a:srgbClr val="ffffff"/>
                 </a:solidFill>
@@ -16963,7 +16963,7 @@
         <p:spPr>
           <a:xfrm>
             <a:off x="8637480" y="6356520"/>
-            <a:ext cx="2742120" cy="363960"/>
+            <a:ext cx="2741760" cy="363600"/>
           </a:xfrm>
           <a:prstGeom prst="rect">
             <a:avLst/>
@@ -16986,7 +16986,7 @@
               <a:tabLst>
                 <a:tab algn="l" pos="0"/>
               </a:tabLst>
-              <a:defRPr b="1" lang="en-US" sz="1200" spc="43" strike="noStrike">
+              <a:defRPr b="1" lang="en-US" sz="1200" spc="41" strike="noStrike">
                 <a:solidFill>
                   <a:srgbClr val="ffffff"/>
                 </a:solidFill>
@@ -17004,8 +17004,8 @@
                 <a:tab algn="l" pos="0"/>
               </a:tabLst>
             </a:pPr>
-            <a:fld id="{F76D9C7A-9F5C-432F-9D6B-D2356124DEFD}" type="slidenum">
-              <a:rPr b="1" lang="en-US" sz="1200" spc="43" strike="noStrike">
+            <a:fld id="{7FCCB99C-ED00-457A-B887-1D6BC54B8CC2}" type="slidenum">
+              <a:rPr b="1" lang="en-US" sz="1200" spc="41" strike="noStrike">
                 <a:solidFill>
                   <a:srgbClr val="ffffff"/>
                 </a:solidFill>
@@ -17349,15 +17349,15 @@
         <p:spPr>
           <a:xfrm>
             <a:off x="0" y="4775040"/>
-            <a:ext cx="6607080" cy="2081880"/>
+            <a:ext cx="6606720" cy="2081520"/>
           </a:xfrm>
           <a:custGeom>
             <a:avLst/>
             <a:gdLst>
-              <a:gd name="textAreaLeft" fmla="*/ 0 w 6607080"/>
-              <a:gd name="textAreaRight" fmla="*/ 6608160 w 6607080"/>
-              <a:gd name="textAreaTop" fmla="*/ 0 h 2081880"/>
-              <a:gd name="textAreaBottom" fmla="*/ 2082960 h 2081880"/>
+              <a:gd name="textAreaLeft" fmla="*/ 0 w 6606720"/>
+              <a:gd name="textAreaRight" fmla="*/ 6608160 w 6606720"/>
+              <a:gd name="textAreaTop" fmla="*/ 0 h 2081520"/>
+              <a:gd name="textAreaBottom" fmla="*/ 2082960 h 2081520"/>
             </a:gdLst>
             <a:ahLst/>
             <a:rect l="textAreaLeft" t="textAreaTop" r="textAreaRight" b="textAreaBottom"/>
@@ -17423,15 +17423,15 @@
         <p:spPr>
           <a:xfrm>
             <a:off x="9249480" y="1747800"/>
-            <a:ext cx="2691360" cy="2691360"/>
+            <a:ext cx="2691000" cy="2691000"/>
           </a:xfrm>
           <a:custGeom>
             <a:avLst/>
             <a:gdLst>
-              <a:gd name="textAreaLeft" fmla="*/ 0 w 2691360"/>
-              <a:gd name="textAreaRight" fmla="*/ 2692440 w 2691360"/>
-              <a:gd name="textAreaTop" fmla="*/ 0 h 2691360"/>
-              <a:gd name="textAreaBottom" fmla="*/ 2692440 h 2691360"/>
+              <a:gd name="textAreaLeft" fmla="*/ 0 w 2691000"/>
+              <a:gd name="textAreaRight" fmla="*/ 2692440 w 2691000"/>
+              <a:gd name="textAreaTop" fmla="*/ 0 h 2691000"/>
+              <a:gd name="textAreaBottom" fmla="*/ 2692440 h 2691000"/>
             </a:gdLst>
             <a:ahLst/>
             <a:rect l="textAreaLeft" t="textAreaTop" r="textAreaRight" b="textAreaBottom"/>
@@ -17538,7 +17538,7 @@
         <p:spPr>
           <a:xfrm>
             <a:off x="8793000" y="361080"/>
-            <a:ext cx="2114280" cy="2114280"/>
+            <a:ext cx="2113920" cy="2113920"/>
           </a:xfrm>
           <a:prstGeom prst="ellipse">
             <a:avLst/>
@@ -17597,7 +17597,7 @@
         <p:spPr>
           <a:xfrm>
             <a:off x="811080" y="6356520"/>
-            <a:ext cx="4410360" cy="363960"/>
+            <a:ext cx="4410000" cy="363600"/>
           </a:xfrm>
           <a:prstGeom prst="rect">
             <a:avLst/>
@@ -17620,7 +17620,7 @@
               <a:tabLst>
                 <a:tab algn="l" pos="0"/>
               </a:tabLst>
-              <a:defRPr b="0" lang="en-US" sz="1200" spc="43" strike="noStrike">
+              <a:defRPr b="0" lang="en-US" sz="1200" spc="41" strike="noStrike">
                 <a:solidFill>
                   <a:srgbClr val="ffffff"/>
                 </a:solidFill>
@@ -17639,7 +17639,7 @@
               </a:tabLst>
             </a:pPr>
             <a:r>
-              <a:rPr b="0" lang="en-US" sz="1200" spc="43" strike="noStrike">
+              <a:rPr b="0" lang="en-US" sz="1200" spc="41" strike="noStrike">
                 <a:solidFill>
                   <a:srgbClr val="ffffff"/>
                 </a:solidFill>
@@ -17669,7 +17669,7 @@
         <p:spPr>
           <a:xfrm>
             <a:off x="8637480" y="6356520"/>
-            <a:ext cx="2742120" cy="363960"/>
+            <a:ext cx="2741760" cy="363600"/>
           </a:xfrm>
           <a:prstGeom prst="rect">
             <a:avLst/>
@@ -17692,7 +17692,7 @@
               <a:tabLst>
                 <a:tab algn="l" pos="0"/>
               </a:tabLst>
-              <a:defRPr b="1" lang="en-US" sz="1200" spc="43" strike="noStrike">
+              <a:defRPr b="1" lang="en-US" sz="1200" spc="41" strike="noStrike">
                 <a:solidFill>
                   <a:srgbClr val="ffffff"/>
                 </a:solidFill>
@@ -17710,8 +17710,8 @@
                 <a:tab algn="l" pos="0"/>
               </a:tabLst>
             </a:pPr>
-            <a:fld id="{D4EA8A49-73EE-4698-A4CD-E065F5DD598B}" type="slidenum">
-              <a:rPr b="1" lang="en-US" sz="1200" spc="43" strike="noStrike">
+            <a:fld id="{94A40170-8D28-4680-BB6F-5CF22A6FC41F}" type="slidenum">
+              <a:rPr b="1" lang="en-US" sz="1200" spc="41" strike="noStrike">
                 <a:solidFill>
                   <a:srgbClr val="ffffff"/>
                 </a:solidFill>
@@ -18059,7 +18059,7 @@
         <p:spPr>
           <a:xfrm>
             <a:off x="9385920" y="0"/>
-            <a:ext cx="1573560" cy="3953520"/>
+            <a:ext cx="1573200" cy="3953160"/>
           </a:xfrm>
           <a:prstGeom prst="rect">
             <a:avLst/>
@@ -18078,7 +18078,7 @@
         <p:spPr>
           <a:xfrm>
             <a:off x="9115560" y="4241160"/>
-            <a:ext cx="2114280" cy="2114280"/>
+            <a:ext cx="2113920" cy="2113920"/>
           </a:xfrm>
           <a:prstGeom prst="ellipse">
             <a:avLst/>
@@ -18137,7 +18137,7 @@
         <p:spPr>
           <a:xfrm>
             <a:off x="811080" y="6356520"/>
-            <a:ext cx="4410360" cy="363960"/>
+            <a:ext cx="4410000" cy="363600"/>
           </a:xfrm>
           <a:prstGeom prst="rect">
             <a:avLst/>
@@ -18160,7 +18160,7 @@
               <a:tabLst>
                 <a:tab algn="l" pos="0"/>
               </a:tabLst>
-              <a:defRPr b="0" lang="en-US" sz="1200" spc="43" strike="noStrike">
+              <a:defRPr b="0" lang="en-US" sz="1200" spc="41" strike="noStrike">
                 <a:solidFill>
                   <a:srgbClr val="ffffff"/>
                 </a:solidFill>
@@ -18179,7 +18179,7 @@
               </a:tabLst>
             </a:pPr>
             <a:r>
-              <a:rPr b="0" lang="en-US" sz="1200" spc="43" strike="noStrike">
+              <a:rPr b="0" lang="en-US" sz="1200" spc="41" strike="noStrike">
                 <a:solidFill>
                   <a:srgbClr val="ffffff"/>
                 </a:solidFill>
@@ -18209,7 +18209,7 @@
         <p:spPr>
           <a:xfrm>
             <a:off x="8637480" y="6356520"/>
-            <a:ext cx="2742120" cy="363960"/>
+            <a:ext cx="2741760" cy="363600"/>
           </a:xfrm>
           <a:prstGeom prst="rect">
             <a:avLst/>
@@ -18232,7 +18232,7 @@
               <a:tabLst>
                 <a:tab algn="l" pos="0"/>
               </a:tabLst>
-              <a:defRPr b="1" lang="en-US" sz="1200" spc="43" strike="noStrike">
+              <a:defRPr b="1" lang="en-US" sz="1200" spc="41" strike="noStrike">
                 <a:solidFill>
                   <a:srgbClr val="ffffff"/>
                 </a:solidFill>
@@ -18250,8 +18250,8 @@
                 <a:tab algn="l" pos="0"/>
               </a:tabLst>
             </a:pPr>
-            <a:fld id="{5E463BD3-6135-4DCD-B250-044D15FA50CF}" type="slidenum">
-              <a:rPr b="1" lang="en-US" sz="1200" spc="43" strike="noStrike">
+            <a:fld id="{813EEA64-CAF9-41C7-909B-C8EBBC99CF59}" type="slidenum">
+              <a:rPr b="1" lang="en-US" sz="1200" spc="41" strike="noStrike">
                 <a:solidFill>
                   <a:srgbClr val="ffffff"/>
                 </a:solidFill>
@@ -18594,10 +18594,10 @@
         </p:nvGrpSpPr>
         <p:grpSpPr>
           <a:xfrm>
-            <a:off x="742680" y="360"/>
-            <a:ext cx="2133000" cy="2133000"/>
-            <a:chOff x="742680" y="360"/>
-            <a:chExt cx="2133000" cy="2133000"/>
+            <a:off x="743040" y="360"/>
+            <a:ext cx="2132640" cy="2132640"/>
+            <a:chOff x="743040" y="360"/>
+            <a:chExt cx="2132640" cy="2132640"/>
           </a:xfrm>
         </p:grpSpPr>
         <p:sp>
@@ -18608,16 +18608,16 @@
           </p:nvSpPr>
           <p:spPr>
             <a:xfrm rot="10800000">
-              <a:off x="743400" y="0"/>
-              <a:ext cx="2131560" cy="1053000"/>
+              <a:off x="743760" y="0"/>
+              <a:ext cx="2131200" cy="1052640"/>
             </a:xfrm>
             <a:custGeom>
               <a:avLst/>
               <a:gdLst>
-                <a:gd name="textAreaLeft" fmla="*/ 0 w 2131560"/>
-                <a:gd name="textAreaRight" fmla="*/ 2132640 w 2131560"/>
-                <a:gd name="textAreaTop" fmla="*/ 0 h 1053000"/>
-                <a:gd name="textAreaBottom" fmla="*/ 1054080 h 1053000"/>
+                <a:gd name="textAreaLeft" fmla="*/ 0 w 2131200"/>
+                <a:gd name="textAreaRight" fmla="*/ 2132640 w 2131200"/>
+                <a:gd name="textAreaTop" fmla="*/ 0 h 1052640"/>
+                <a:gd name="textAreaBottom" fmla="*/ 1054080 h 1052640"/>
               </a:gdLst>
               <a:ahLst/>
               <a:rect l="textAreaLeft" t="textAreaTop" r="textAreaRight" b="textAreaBottom"/>
@@ -18698,16 +18698,16 @@
           </p:nvSpPr>
           <p:spPr>
             <a:xfrm rot="10800000">
-              <a:off x="742680" y="1054440"/>
-              <a:ext cx="2133000" cy="1078560"/>
+              <a:off x="743040" y="1054440"/>
+              <a:ext cx="2132640" cy="1078200"/>
             </a:xfrm>
             <a:custGeom>
               <a:avLst/>
               <a:gdLst>
-                <a:gd name="textAreaLeft" fmla="*/ 0 w 2133000"/>
-                <a:gd name="textAreaRight" fmla="*/ 2134080 w 2133000"/>
-                <a:gd name="textAreaTop" fmla="*/ 0 h 1078560"/>
-                <a:gd name="textAreaBottom" fmla="*/ 1079640 h 1078560"/>
+                <a:gd name="textAreaLeft" fmla="*/ 0 w 2132640"/>
+                <a:gd name="textAreaRight" fmla="*/ 2134080 w 2132640"/>
+                <a:gd name="textAreaTop" fmla="*/ 0 h 1078200"/>
+                <a:gd name="textAreaBottom" fmla="*/ 1079640 h 1078200"/>
               </a:gdLst>
               <a:ahLst/>
               <a:rect l="textAreaLeft" t="textAreaTop" r="textAreaRight" b="textAreaBottom"/>
@@ -18789,16 +18789,16 @@
         </p:nvSpPr>
         <p:spPr>
           <a:xfrm flipH="1" flipV="1">
-            <a:off x="-720" y="3625200"/>
-            <a:ext cx="4473360" cy="3230280"/>
+            <a:off x="-1440" y="3625200"/>
+            <a:ext cx="4473000" cy="3229920"/>
           </a:xfrm>
           <a:custGeom>
             <a:avLst/>
             <a:gdLst>
-              <a:gd name="textAreaLeft" fmla="*/ 720 w 4473360"/>
-              <a:gd name="textAreaRight" fmla="*/ 4475160 w 4473360"/>
-              <a:gd name="textAreaTop" fmla="*/ -720 h 3230280"/>
-              <a:gd name="textAreaBottom" fmla="*/ 3230640 h 3230280"/>
+              <a:gd name="textAreaLeft" fmla="*/ 720 w 4473000"/>
+              <a:gd name="textAreaRight" fmla="*/ 4475160 w 4473000"/>
+              <a:gd name="textAreaTop" fmla="*/ -720 h 3229920"/>
+              <a:gd name="textAreaBottom" fmla="*/ 3230640 h 3229920"/>
             </a:gdLst>
             <a:ahLst/>
             <a:rect l="textAreaLeft" t="textAreaTop" r="textAreaRight" b="textAreaBottom"/>
@@ -18868,7 +18868,7 @@
         <p:spPr>
           <a:xfrm>
             <a:off x="811080" y="6356520"/>
-            <a:ext cx="4410360" cy="363960"/>
+            <a:ext cx="4410000" cy="363600"/>
           </a:xfrm>
           <a:prstGeom prst="rect">
             <a:avLst/>
@@ -18891,7 +18891,7 @@
               <a:tabLst>
                 <a:tab algn="l" pos="0"/>
               </a:tabLst>
-              <a:defRPr b="0" lang="en-US" sz="1200" spc="43" strike="noStrike">
+              <a:defRPr b="0" lang="en-US" sz="1200" spc="41" strike="noStrike">
                 <a:solidFill>
                   <a:srgbClr val="ffffff"/>
                 </a:solidFill>
@@ -18910,7 +18910,7 @@
               </a:tabLst>
             </a:pPr>
             <a:r>
-              <a:rPr b="0" lang="en-US" sz="1200" spc="43" strike="noStrike">
+              <a:rPr b="0" lang="en-US" sz="1200" spc="41" strike="noStrike">
                 <a:solidFill>
                   <a:srgbClr val="ffffff"/>
                 </a:solidFill>
@@ -18940,7 +18940,7 @@
         <p:spPr>
           <a:xfrm>
             <a:off x="8637480" y="6356520"/>
-            <a:ext cx="2742120" cy="363960"/>
+            <a:ext cx="2741760" cy="363600"/>
           </a:xfrm>
           <a:prstGeom prst="rect">
             <a:avLst/>
@@ -18963,7 +18963,7 @@
               <a:tabLst>
                 <a:tab algn="l" pos="0"/>
               </a:tabLst>
-              <a:defRPr b="1" lang="en-US" sz="1200" spc="43" strike="noStrike">
+              <a:defRPr b="1" lang="en-US" sz="1200" spc="41" strike="noStrike">
                 <a:solidFill>
                   <a:srgbClr val="ffffff"/>
                 </a:solidFill>
@@ -18981,8 +18981,8 @@
                 <a:tab algn="l" pos="0"/>
               </a:tabLst>
             </a:pPr>
-            <a:fld id="{C0E58ED9-4254-4CEF-A3F3-6CA322F89618}" type="slidenum">
-              <a:rPr b="1" lang="en-US" sz="1200" spc="43" strike="noStrike">
+            <a:fld id="{65A24580-1BFF-49E7-9D97-D0C8B14FFD6B}" type="slidenum">
+              <a:rPr b="1" lang="en-US" sz="1200" spc="41" strike="noStrike">
                 <a:solidFill>
                   <a:srgbClr val="ffffff"/>
                 </a:solidFill>
@@ -19325,10 +19325,10 @@
         </p:nvGrpSpPr>
         <p:grpSpPr>
           <a:xfrm>
-            <a:off x="742680" y="360"/>
-            <a:ext cx="2133000" cy="2133000"/>
-            <a:chOff x="742680" y="360"/>
-            <a:chExt cx="2133000" cy="2133000"/>
+            <a:off x="743040" y="360"/>
+            <a:ext cx="2132640" cy="2132640"/>
+            <a:chOff x="743040" y="360"/>
+            <a:chExt cx="2132640" cy="2132640"/>
           </a:xfrm>
         </p:grpSpPr>
         <p:sp>
@@ -19339,16 +19339,16 @@
           </p:nvSpPr>
           <p:spPr>
             <a:xfrm rot="10800000">
-              <a:off x="743400" y="0"/>
-              <a:ext cx="2131560" cy="1053000"/>
+              <a:off x="743760" y="0"/>
+              <a:ext cx="2131200" cy="1052640"/>
             </a:xfrm>
             <a:custGeom>
               <a:avLst/>
               <a:gdLst>
-                <a:gd name="textAreaLeft" fmla="*/ 0 w 2131560"/>
-                <a:gd name="textAreaRight" fmla="*/ 2132640 w 2131560"/>
-                <a:gd name="textAreaTop" fmla="*/ 0 h 1053000"/>
-                <a:gd name="textAreaBottom" fmla="*/ 1054080 h 1053000"/>
+                <a:gd name="textAreaLeft" fmla="*/ 0 w 2131200"/>
+                <a:gd name="textAreaRight" fmla="*/ 2132640 w 2131200"/>
+                <a:gd name="textAreaTop" fmla="*/ 0 h 1052640"/>
+                <a:gd name="textAreaBottom" fmla="*/ 1054080 h 1052640"/>
               </a:gdLst>
               <a:ahLst/>
               <a:rect l="textAreaLeft" t="textAreaTop" r="textAreaRight" b="textAreaBottom"/>
@@ -19429,16 +19429,16 @@
           </p:nvSpPr>
           <p:spPr>
             <a:xfrm rot="10800000">
-              <a:off x="742680" y="1054440"/>
-              <a:ext cx="2133000" cy="1078560"/>
+              <a:off x="743040" y="1054440"/>
+              <a:ext cx="2132640" cy="1078200"/>
             </a:xfrm>
             <a:custGeom>
               <a:avLst/>
               <a:gdLst>
-                <a:gd name="textAreaLeft" fmla="*/ 0 w 2133000"/>
-                <a:gd name="textAreaRight" fmla="*/ 2134080 w 2133000"/>
-                <a:gd name="textAreaTop" fmla="*/ 0 h 1078560"/>
-                <a:gd name="textAreaBottom" fmla="*/ 1079640 h 1078560"/>
+                <a:gd name="textAreaLeft" fmla="*/ 0 w 2132640"/>
+                <a:gd name="textAreaRight" fmla="*/ 2134080 w 2132640"/>
+                <a:gd name="textAreaTop" fmla="*/ 0 h 1078200"/>
+                <a:gd name="textAreaBottom" fmla="*/ 1079640 h 1078200"/>
               </a:gdLst>
               <a:ahLst/>
               <a:rect l="textAreaLeft" t="textAreaTop" r="textAreaRight" b="textAreaBottom"/>
@@ -19520,16 +19520,16 @@
         </p:nvSpPr>
         <p:spPr>
           <a:xfrm flipH="1" flipV="1">
-            <a:off x="-720" y="3625200"/>
-            <a:ext cx="4473360" cy="3230280"/>
+            <a:off x="-1440" y="3625200"/>
+            <a:ext cx="4473000" cy="3229920"/>
           </a:xfrm>
           <a:custGeom>
             <a:avLst/>
             <a:gdLst>
-              <a:gd name="textAreaLeft" fmla="*/ 720 w 4473360"/>
-              <a:gd name="textAreaRight" fmla="*/ 4475160 w 4473360"/>
-              <a:gd name="textAreaTop" fmla="*/ -720 h 3230280"/>
-              <a:gd name="textAreaBottom" fmla="*/ 3230640 h 3230280"/>
+              <a:gd name="textAreaLeft" fmla="*/ 720 w 4473000"/>
+              <a:gd name="textAreaRight" fmla="*/ 4475160 w 4473000"/>
+              <a:gd name="textAreaTop" fmla="*/ -720 h 3229920"/>
+              <a:gd name="textAreaBottom" fmla="*/ 3230640 h 3229920"/>
             </a:gdLst>
             <a:ahLst/>
             <a:rect l="textAreaLeft" t="textAreaTop" r="textAreaRight" b="textAreaBottom"/>
@@ -19599,7 +19599,7 @@
         <p:spPr>
           <a:xfrm>
             <a:off x="811080" y="6356520"/>
-            <a:ext cx="4410360" cy="363960"/>
+            <a:ext cx="4410000" cy="363600"/>
           </a:xfrm>
           <a:prstGeom prst="rect">
             <a:avLst/>
@@ -19622,7 +19622,7 @@
               <a:tabLst>
                 <a:tab algn="l" pos="0"/>
               </a:tabLst>
-              <a:defRPr b="0" lang="en-US" sz="1200" spc="43" strike="noStrike">
+              <a:defRPr b="0" lang="en-US" sz="1200" spc="41" strike="noStrike">
                 <a:solidFill>
                   <a:srgbClr val="ffffff"/>
                 </a:solidFill>
@@ -19641,7 +19641,7 @@
               </a:tabLst>
             </a:pPr>
             <a:r>
-              <a:rPr b="0" lang="en-US" sz="1200" spc="43" strike="noStrike">
+              <a:rPr b="0" lang="en-US" sz="1200" spc="41" strike="noStrike">
                 <a:solidFill>
                   <a:srgbClr val="ffffff"/>
                 </a:solidFill>
@@ -19671,7 +19671,7 @@
         <p:spPr>
           <a:xfrm>
             <a:off x="8637480" y="6356520"/>
-            <a:ext cx="2742120" cy="363960"/>
+            <a:ext cx="2741760" cy="363600"/>
           </a:xfrm>
           <a:prstGeom prst="rect">
             <a:avLst/>
@@ -19694,7 +19694,7 @@
               <a:tabLst>
                 <a:tab algn="l" pos="0"/>
               </a:tabLst>
-              <a:defRPr b="1" lang="en-US" sz="1200" spc="43" strike="noStrike">
+              <a:defRPr b="1" lang="en-US" sz="1200" spc="41" strike="noStrike">
                 <a:solidFill>
                   <a:srgbClr val="ffffff"/>
                 </a:solidFill>
@@ -19712,8 +19712,8 @@
                 <a:tab algn="l" pos="0"/>
               </a:tabLst>
             </a:pPr>
-            <a:fld id="{E86BFCC2-7594-41D3-8946-57E7F4B2DC60}" type="slidenum">
-              <a:rPr b="1" lang="en-US" sz="1200" spc="43" strike="noStrike">
+            <a:fld id="{D5C9C645-7CE6-4640-9076-029668CDA5BD}" type="slidenum">
+              <a:rPr b="1" lang="en-US" sz="1200" spc="41" strike="noStrike">
                 <a:solidFill>
                   <a:srgbClr val="ffffff"/>
                 </a:solidFill>
@@ -20056,10 +20056,10 @@
         </p:nvGrpSpPr>
         <p:grpSpPr>
           <a:xfrm>
-            <a:off x="9830520" y="4725360"/>
-            <a:ext cx="2133000" cy="2132640"/>
-            <a:chOff x="9830520" y="4725360"/>
-            <a:chExt cx="2133000" cy="2132640"/>
+            <a:off x="9830880" y="4725720"/>
+            <a:ext cx="2132640" cy="2132280"/>
+            <a:chOff x="9830880" y="4725720"/>
+            <a:chExt cx="2132640" cy="2132280"/>
           </a:xfrm>
         </p:grpSpPr>
         <p:sp>
@@ -20070,16 +20070,16 @@
           </p:nvSpPr>
           <p:spPr>
             <a:xfrm rot="10800000">
-              <a:off x="9831240" y="4725360"/>
-              <a:ext cx="2131560" cy="1053000"/>
+              <a:off x="9831600" y="4725720"/>
+              <a:ext cx="2131200" cy="1052640"/>
             </a:xfrm>
             <a:custGeom>
               <a:avLst/>
               <a:gdLst>
-                <a:gd name="textAreaLeft" fmla="*/ 0 w 2131560"/>
-                <a:gd name="textAreaRight" fmla="*/ 2132640 w 2131560"/>
-                <a:gd name="textAreaTop" fmla="*/ 0 h 1053000"/>
-                <a:gd name="textAreaBottom" fmla="*/ 1054080 h 1053000"/>
+                <a:gd name="textAreaLeft" fmla="*/ 0 w 2131200"/>
+                <a:gd name="textAreaRight" fmla="*/ 2132640 w 2131200"/>
+                <a:gd name="textAreaTop" fmla="*/ 0 h 1052640"/>
+                <a:gd name="textAreaBottom" fmla="*/ 1054080 h 1052640"/>
               </a:gdLst>
               <a:ahLst/>
               <a:rect l="textAreaLeft" t="textAreaTop" r="textAreaRight" b="textAreaBottom"/>
@@ -20160,16 +20160,16 @@
           </p:nvSpPr>
           <p:spPr>
             <a:xfrm rot="10800000">
-              <a:off x="9830520" y="5779440"/>
-              <a:ext cx="2133000" cy="1078560"/>
+              <a:off x="9830880" y="5779800"/>
+              <a:ext cx="2132640" cy="1078200"/>
             </a:xfrm>
             <a:custGeom>
               <a:avLst/>
               <a:gdLst>
-                <a:gd name="textAreaLeft" fmla="*/ 0 w 2133000"/>
-                <a:gd name="textAreaRight" fmla="*/ 2134080 w 2133000"/>
-                <a:gd name="textAreaTop" fmla="*/ 0 h 1078560"/>
-                <a:gd name="textAreaBottom" fmla="*/ 1079640 h 1078560"/>
+                <a:gd name="textAreaLeft" fmla="*/ 0 w 2132640"/>
+                <a:gd name="textAreaRight" fmla="*/ 2134080 w 2132640"/>
+                <a:gd name="textAreaTop" fmla="*/ 0 h 1078200"/>
+                <a:gd name="textAreaBottom" fmla="*/ 1079640 h 1078200"/>
               </a:gdLst>
               <a:ahLst/>
               <a:rect l="textAreaLeft" t="textAreaTop" r="textAreaRight" b="textAreaBottom"/>
@@ -20252,15 +20252,15 @@
         <p:spPr>
           <a:xfrm>
             <a:off x="7717680" y="0"/>
-            <a:ext cx="4473360" cy="3230280"/>
+            <a:ext cx="4473000" cy="3229920"/>
           </a:xfrm>
           <a:custGeom>
             <a:avLst/>
             <a:gdLst>
-              <a:gd name="textAreaLeft" fmla="*/ 0 w 4473360"/>
-              <a:gd name="textAreaRight" fmla="*/ 4474440 w 4473360"/>
-              <a:gd name="textAreaTop" fmla="*/ 0 h 3230280"/>
-              <a:gd name="textAreaBottom" fmla="*/ 3231360 h 3230280"/>
+              <a:gd name="textAreaLeft" fmla="*/ 0 w 4473000"/>
+              <a:gd name="textAreaRight" fmla="*/ 4474440 w 4473000"/>
+              <a:gd name="textAreaTop" fmla="*/ 0 h 3229920"/>
+              <a:gd name="textAreaBottom" fmla="*/ 3231360 h 3229920"/>
             </a:gdLst>
             <a:ahLst/>
             <a:rect l="textAreaLeft" t="textAreaTop" r="textAreaRight" b="textAreaBottom"/>
@@ -20641,7 +20641,7 @@
         <p:spPr>
           <a:xfrm>
             <a:off x="811080" y="629640"/>
-            <a:ext cx="8960040" cy="5598000"/>
+            <a:ext cx="8959680" cy="5597640"/>
           </a:xfrm>
           <a:prstGeom prst="rect">
             <a:avLst/>
@@ -20666,7 +20666,7 @@
               </a:tabLst>
             </a:pPr>
             <a:r>
-              <a:rPr b="1" lang="en-US" sz="7000" spc="92" strike="noStrike">
+              <a:rPr b="1" lang="en-US" sz="7000" spc="89" strike="noStrike">
                 <a:solidFill>
                   <a:srgbClr val="ffffff"/>
                 </a:solidFill>
@@ -20725,8 +20725,8 @@
         </p:nvSpPr>
         <p:spPr>
           <a:xfrm>
-            <a:off x="811080" y="622080"/>
-            <a:ext cx="6399720" cy="1827720"/>
+            <a:off x="180000" y="622080"/>
+            <a:ext cx="10287000" cy="749520"/>
           </a:xfrm>
           <a:prstGeom prst="rect">
             <a:avLst/>
@@ -20751,7 +20751,7 @@
               </a:tabLst>
             </a:pPr>
             <a:r>
-              <a:rPr b="1" lang="en-US" sz="4000" spc="92" strike="noStrike">
+              <a:rPr b="1" lang="en-US" sz="3600" spc="89" strike="noStrike">
                 <a:solidFill>
                   <a:srgbClr val="ffffff"/>
                 </a:solidFill>
@@ -20759,7 +20759,7 @@
               </a:rPr>
               <a:t>Agenda</a:t>
             </a:r>
-            <a:endParaRPr b="0" lang="en-US" sz="4000" spc="-1" strike="noStrike">
+            <a:endParaRPr b="0" lang="en-US" sz="3600" spc="-1" strike="noStrike">
               <a:solidFill>
                 <a:srgbClr val="000000"/>
               </a:solidFill>
@@ -20781,7 +20781,7 @@
         <p:spPr>
           <a:xfrm>
             <a:off x="811080" y="2774880"/>
-            <a:ext cx="6399720" cy="3256560"/>
+            <a:ext cx="6399360" cy="3256200"/>
           </a:xfrm>
           <a:prstGeom prst="rect">
             <a:avLst/>
@@ -20889,7 +20889,7 @@
         <p:spPr>
           <a:xfrm>
             <a:off x="811080" y="827280"/>
-            <a:ext cx="6399720" cy="5202360"/>
+            <a:ext cx="6399360" cy="5202000"/>
           </a:xfrm>
           <a:prstGeom prst="rect">
             <a:avLst/>
@@ -20914,7 +20914,7 @@
               </a:tabLst>
             </a:pPr>
             <a:r>
-              <a:rPr b="1" lang="en-US" sz="5400" spc="92" strike="noStrike">
+              <a:rPr b="1" lang="en-US" sz="5400" spc="89" strike="noStrike">
                 <a:solidFill>
                   <a:srgbClr val="ffffff"/>
                 </a:solidFill>
@@ -20974,7 +20974,7 @@
         <p:spPr>
           <a:xfrm>
             <a:off x="811080" y="622080"/>
-            <a:ext cx="7598520" cy="3050280"/>
+            <a:ext cx="7598160" cy="3049920"/>
           </a:xfrm>
           <a:prstGeom prst="rect">
             <a:avLst/>
@@ -20999,7 +20999,7 @@
               </a:tabLst>
             </a:pPr>
             <a:r>
-              <a:rPr b="1" lang="en-US" sz="5400" spc="92" strike="noStrike">
+              <a:rPr b="1" lang="en-US" sz="5400" spc="89" strike="noStrike">
                 <a:solidFill>
                   <a:srgbClr val="ffffff"/>
                 </a:solidFill>
@@ -21029,7 +21029,7 @@
         <p:spPr>
           <a:xfrm>
             <a:off x="811080" y="3965040"/>
-            <a:ext cx="7598520" cy="1492560"/>
+            <a:ext cx="7598160" cy="1492200"/>
           </a:xfrm>
           <a:prstGeom prst="rect">
             <a:avLst/>
@@ -21136,8 +21136,8 @@
         </p:nvSpPr>
         <p:spPr>
           <a:xfrm>
-            <a:off x="4114800" y="622080"/>
-            <a:ext cx="7237800" cy="520560"/>
+            <a:off x="2971800" y="190080"/>
+            <a:ext cx="9220320" cy="520200"/>
           </a:xfrm>
           <a:prstGeom prst="rect">
             <a:avLst/>
@@ -21162,7 +21162,7 @@
               </a:tabLst>
             </a:pPr>
             <a:r>
-              <a:rPr b="1" lang="en-US" sz="4000" spc="92" strike="noStrike">
+              <a:rPr b="1" lang="en-US" sz="3200" spc="89" strike="noStrike">
                 <a:solidFill>
                   <a:srgbClr val="ffffff"/>
                 </a:solidFill>
@@ -21170,7 +21170,7 @@
               </a:rPr>
               <a:t>{{TITLE}}</a:t>
             </a:r>
-            <a:endParaRPr b="0" lang="en-US" sz="4000" spc="-1" strike="noStrike">
+            <a:endParaRPr b="0" lang="en-US" sz="3200" spc="-1" strike="noStrike">
               <a:solidFill>
                 <a:srgbClr val="000000"/>
               </a:solidFill>
@@ -21191,8 +21191,8 @@
         </p:nvSpPr>
         <p:spPr>
           <a:xfrm>
-            <a:off x="4800600" y="2286000"/>
-            <a:ext cx="6552000" cy="3712320"/>
+            <a:off x="2743200" y="2286000"/>
+            <a:ext cx="8609040" cy="4343400"/>
           </a:xfrm>
           <a:prstGeom prst="rect">
             <a:avLst/>
@@ -21279,8 +21279,8 @@
         </p:nvSpPr>
         <p:spPr>
           <a:xfrm>
-            <a:off x="3429000" y="457200"/>
-            <a:ext cx="7923600" cy="520560"/>
+            <a:off x="3321000" y="133200"/>
+            <a:ext cx="8686800" cy="520200"/>
           </a:xfrm>
           <a:prstGeom prst="rect">
             <a:avLst/>
@@ -21305,7 +21305,7 @@
               </a:tabLst>
             </a:pPr>
             <a:r>
-              <a:rPr b="1" lang="en-US" sz="4000" spc="92" strike="noStrike">
+              <a:rPr b="1" lang="en-US" sz="3200" spc="89" strike="noStrike">
                 <a:solidFill>
                   <a:srgbClr val="ffffff"/>
                 </a:solidFill>
@@ -21313,7 +21313,7 @@
               </a:rPr>
               <a:t>{{TITLE}}</a:t>
             </a:r>
-            <a:endParaRPr b="0" lang="en-US" sz="4000" spc="-1" strike="noStrike">
+            <a:endParaRPr b="0" lang="en-US" sz="3200" spc="-1" strike="noStrike">
               <a:solidFill>
                 <a:srgbClr val="000000"/>
               </a:solidFill>
@@ -21335,7 +21335,7 @@
         <p:spPr>
           <a:xfrm>
             <a:off x="3471480" y="1600200"/>
-            <a:ext cx="8186400" cy="4799880"/>
+            <a:ext cx="8186040" cy="4799520"/>
           </a:xfrm>
           <a:prstGeom prst="rect">
             <a:avLst/>
@@ -21388,7 +21388,7 @@
         <p:spPr>
           <a:xfrm>
             <a:off x="811080" y="612720"/>
-            <a:ext cx="10001520" cy="3656520"/>
+            <a:ext cx="10001160" cy="3656160"/>
           </a:xfrm>
           <a:prstGeom prst="rect">
             <a:avLst/>
@@ -21413,7 +21413,7 @@
               </a:tabLst>
             </a:pPr>
             <a:r>
-              <a:rPr b="1" lang="en-US" sz="7000" spc="92" strike="noStrike">
+              <a:rPr b="1" lang="en-US" sz="7000" spc="89" strike="noStrike">
                 <a:solidFill>
                   <a:srgbClr val="ffffff"/>
                 </a:solidFill>
@@ -21443,7 +21443,7 @@
         <p:spPr>
           <a:xfrm>
             <a:off x="811080" y="4723920"/>
-            <a:ext cx="6999840" cy="1708200"/>
+            <a:ext cx="6999480" cy="1707840"/>
           </a:xfrm>
           <a:prstGeom prst="rect">
             <a:avLst/>
